--- a/regression_presentation.pptx
+++ b/regression_presentation.pptx
@@ -4,6 +4,9 @@
   <p:sldMasterIdLst>
     <p:sldMasterId id="2147483648" r:id="rId1"/>
   </p:sldMasterIdLst>
+  <p:notesMasterIdLst>
+    <p:notesMasterId r:id="rId15"/>
+  </p:notesMasterIdLst>
   <p:sldIdLst>
     <p:sldId id="256" r:id="rId2"/>
     <p:sldId id="265" r:id="rId3"/>
@@ -13,9 +16,11 @@
     <p:sldId id="260" r:id="rId7"/>
     <p:sldId id="266" r:id="rId8"/>
     <p:sldId id="261" r:id="rId9"/>
-    <p:sldId id="262" r:id="rId10"/>
-    <p:sldId id="264" r:id="rId11"/>
-    <p:sldId id="267" r:id="rId12"/>
+    <p:sldId id="268" r:id="rId10"/>
+    <p:sldId id="262" r:id="rId11"/>
+    <p:sldId id="269" r:id="rId12"/>
+    <p:sldId id="264" r:id="rId13"/>
+    <p:sldId id="267" r:id="rId14"/>
   </p:sldIdLst>
   <p:sldSz cx="12192000" cy="6858000"/>
   <p:notesSz cx="6858000" cy="9144000"/>
@@ -1865,7 +1870,7 @@
   <dgm:whole/>
   <dgm:extLst>
     <a:ext uri="http://schemas.microsoft.com/office/drawing/2008/diagram">
-      <dsp:dataModelExt xmlns:dsp="http://schemas.microsoft.com/office/drawing/2008/diagram" relId="rId6" minVer="http://schemas.openxmlformats.org/drawingml/2006/diagram"/>
+      <dsp:dataModelExt xmlns:dsp="http://schemas.microsoft.com/office/drawing/2008/diagram" relId="rId7" minVer="http://schemas.openxmlformats.org/drawingml/2006/diagram"/>
     </a:ext>
   </dgm:extLst>
 </dgm:dataModel>
@@ -2491,7 +2496,7 @@
   <dgm:whole/>
   <dgm:extLst>
     <a:ext uri="http://schemas.microsoft.com/office/drawing/2008/diagram">
-      <dsp:dataModelExt xmlns:dsp="http://schemas.microsoft.com/office/drawing/2008/diagram" relId="rId6" minVer="http://schemas.openxmlformats.org/drawingml/2006/diagram"/>
+      <dsp:dataModelExt xmlns:dsp="http://schemas.microsoft.com/office/drawing/2008/diagram" relId="rId7" minVer="http://schemas.openxmlformats.org/drawingml/2006/diagram"/>
     </a:ext>
   </dgm:extLst>
 </dgm:dataModel>
@@ -6034,6 +6039,1846 @@
 </dgm:styleDef>
 </file>
 
+<file path=ppt/notesMasters/notesMaster1.xml><?xml version="1.0" encoding="utf-8"?>
+<p:notesMaster xmlns:a="http://schemas.openxmlformats.org/drawingml/2006/main" xmlns:r="http://schemas.openxmlformats.org/officeDocument/2006/relationships" xmlns:p="http://schemas.openxmlformats.org/presentationml/2006/main">
+  <p:cSld>
+    <p:bg>
+      <p:bgRef idx="1001">
+        <a:schemeClr val="bg1"/>
+      </p:bgRef>
+    </p:bg>
+    <p:spTree>
+      <p:nvGrpSpPr>
+        <p:cNvPr id="1" name=""/>
+        <p:cNvGrpSpPr/>
+        <p:nvPr/>
+      </p:nvGrpSpPr>
+      <p:grpSpPr>
+        <a:xfrm>
+          <a:off x="0" y="0"/>
+          <a:ext cx="0" cy="0"/>
+          <a:chOff x="0" y="0"/>
+          <a:chExt cx="0" cy="0"/>
+        </a:xfrm>
+      </p:grpSpPr>
+      <p:sp>
+        <p:nvSpPr>
+          <p:cNvPr id="2" name="Header Placeholder 1"/>
+          <p:cNvSpPr>
+            <a:spLocks noGrp="1"/>
+          </p:cNvSpPr>
+          <p:nvPr>
+            <p:ph type="hdr" sz="quarter"/>
+          </p:nvPr>
+        </p:nvSpPr>
+        <p:spPr>
+          <a:xfrm>
+            <a:off x="0" y="0"/>
+            <a:ext cx="2971800" cy="458788"/>
+          </a:xfrm>
+          <a:prstGeom prst="rect">
+            <a:avLst/>
+          </a:prstGeom>
+        </p:spPr>
+        <p:txBody>
+          <a:bodyPr vert="horz" lIns="91440" tIns="45720" rIns="91440" bIns="45720" rtlCol="0"/>
+          <a:lstStyle>
+            <a:lvl1pPr algn="l">
+              <a:defRPr sz="1200"/>
+            </a:lvl1pPr>
+          </a:lstStyle>
+          <a:p>
+            <a:endParaRPr lang="en-BE"/>
+          </a:p>
+        </p:txBody>
+      </p:sp>
+      <p:sp>
+        <p:nvSpPr>
+          <p:cNvPr id="3" name="Date Placeholder 2"/>
+          <p:cNvSpPr>
+            <a:spLocks noGrp="1"/>
+          </p:cNvSpPr>
+          <p:nvPr>
+            <p:ph type="dt" idx="1"/>
+          </p:nvPr>
+        </p:nvSpPr>
+        <p:spPr>
+          <a:xfrm>
+            <a:off x="3884613" y="0"/>
+            <a:ext cx="2971800" cy="458788"/>
+          </a:xfrm>
+          <a:prstGeom prst="rect">
+            <a:avLst/>
+          </a:prstGeom>
+        </p:spPr>
+        <p:txBody>
+          <a:bodyPr vert="horz" lIns="91440" tIns="45720" rIns="91440" bIns="45720" rtlCol="0"/>
+          <a:lstStyle>
+            <a:lvl1pPr algn="r">
+              <a:defRPr sz="1200"/>
+            </a:lvl1pPr>
+          </a:lstStyle>
+          <a:p>
+            <a:fld id="{ACC2B349-D564-4328-9F03-286291659CD4}" type="datetimeFigureOut">
+              <a:rPr lang="en-BE" smtClean="0"/>
+              <a:t>15/07/2021</a:t>
+            </a:fld>
+            <a:endParaRPr lang="en-BE"/>
+          </a:p>
+        </p:txBody>
+      </p:sp>
+      <p:sp>
+        <p:nvSpPr>
+          <p:cNvPr id="4" name="Slide Image Placeholder 3"/>
+          <p:cNvSpPr>
+            <a:spLocks noGrp="1" noRot="1" noChangeAspect="1"/>
+          </p:cNvSpPr>
+          <p:nvPr>
+            <p:ph type="sldImg" idx="2"/>
+          </p:nvPr>
+        </p:nvSpPr>
+        <p:spPr>
+          <a:xfrm>
+            <a:off x="685800" y="1143000"/>
+            <a:ext cx="5486400" cy="3086100"/>
+          </a:xfrm>
+          <a:prstGeom prst="rect">
+            <a:avLst/>
+          </a:prstGeom>
+          <a:noFill/>
+          <a:ln w="12700">
+            <a:solidFill>
+              <a:prstClr val="black"/>
+            </a:solidFill>
+          </a:ln>
+        </p:spPr>
+        <p:txBody>
+          <a:bodyPr vert="horz" lIns="91440" tIns="45720" rIns="91440" bIns="45720" rtlCol="0" anchor="ctr"/>
+          <a:lstStyle/>
+          <a:p>
+            <a:endParaRPr lang="en-BE"/>
+          </a:p>
+        </p:txBody>
+      </p:sp>
+      <p:sp>
+        <p:nvSpPr>
+          <p:cNvPr id="5" name="Notes Placeholder 4"/>
+          <p:cNvSpPr>
+            <a:spLocks noGrp="1"/>
+          </p:cNvSpPr>
+          <p:nvPr>
+            <p:ph type="body" sz="quarter" idx="3"/>
+          </p:nvPr>
+        </p:nvSpPr>
+        <p:spPr>
+          <a:xfrm>
+            <a:off x="685800" y="4400550"/>
+            <a:ext cx="5486400" cy="3600450"/>
+          </a:xfrm>
+          <a:prstGeom prst="rect">
+            <a:avLst/>
+          </a:prstGeom>
+        </p:spPr>
+        <p:txBody>
+          <a:bodyPr vert="horz" lIns="91440" tIns="45720" rIns="91440" bIns="45720" rtlCol="0"/>
+          <a:lstStyle/>
+          <a:p>
+            <a:pPr lvl="0"/>
+            <a:r>
+              <a:rPr lang="en-US"/>
+              <a:t>Click to edit Master text styles</a:t>
+            </a:r>
+          </a:p>
+          <a:p>
+            <a:pPr lvl="1"/>
+            <a:r>
+              <a:rPr lang="en-US"/>
+              <a:t>Second level</a:t>
+            </a:r>
+          </a:p>
+          <a:p>
+            <a:pPr lvl="2"/>
+            <a:r>
+              <a:rPr lang="en-US"/>
+              <a:t>Third level</a:t>
+            </a:r>
+          </a:p>
+          <a:p>
+            <a:pPr lvl="3"/>
+            <a:r>
+              <a:rPr lang="en-US"/>
+              <a:t>Fourth level</a:t>
+            </a:r>
+          </a:p>
+          <a:p>
+            <a:pPr lvl="4"/>
+            <a:r>
+              <a:rPr lang="en-US"/>
+              <a:t>Fifth level</a:t>
+            </a:r>
+            <a:endParaRPr lang="en-BE"/>
+          </a:p>
+        </p:txBody>
+      </p:sp>
+      <p:sp>
+        <p:nvSpPr>
+          <p:cNvPr id="6" name="Footer Placeholder 5"/>
+          <p:cNvSpPr>
+            <a:spLocks noGrp="1"/>
+          </p:cNvSpPr>
+          <p:nvPr>
+            <p:ph type="ftr" sz="quarter" idx="4"/>
+          </p:nvPr>
+        </p:nvSpPr>
+        <p:spPr>
+          <a:xfrm>
+            <a:off x="0" y="8685213"/>
+            <a:ext cx="2971800" cy="458787"/>
+          </a:xfrm>
+          <a:prstGeom prst="rect">
+            <a:avLst/>
+          </a:prstGeom>
+        </p:spPr>
+        <p:txBody>
+          <a:bodyPr vert="horz" lIns="91440" tIns="45720" rIns="91440" bIns="45720" rtlCol="0" anchor="b"/>
+          <a:lstStyle>
+            <a:lvl1pPr algn="l">
+              <a:defRPr sz="1200"/>
+            </a:lvl1pPr>
+          </a:lstStyle>
+          <a:p>
+            <a:endParaRPr lang="en-BE"/>
+          </a:p>
+        </p:txBody>
+      </p:sp>
+      <p:sp>
+        <p:nvSpPr>
+          <p:cNvPr id="7" name="Slide Number Placeholder 6"/>
+          <p:cNvSpPr>
+            <a:spLocks noGrp="1"/>
+          </p:cNvSpPr>
+          <p:nvPr>
+            <p:ph type="sldNum" sz="quarter" idx="5"/>
+          </p:nvPr>
+        </p:nvSpPr>
+        <p:spPr>
+          <a:xfrm>
+            <a:off x="3884613" y="8685213"/>
+            <a:ext cx="2971800" cy="458787"/>
+          </a:xfrm>
+          <a:prstGeom prst="rect">
+            <a:avLst/>
+          </a:prstGeom>
+        </p:spPr>
+        <p:txBody>
+          <a:bodyPr vert="horz" lIns="91440" tIns="45720" rIns="91440" bIns="45720" rtlCol="0" anchor="b"/>
+          <a:lstStyle>
+            <a:lvl1pPr algn="r">
+              <a:defRPr sz="1200"/>
+            </a:lvl1pPr>
+          </a:lstStyle>
+          <a:p>
+            <a:fld id="{35FC46E8-9FC8-4688-8257-D5F93C4B6689}" type="slidenum">
+              <a:rPr lang="en-BE" smtClean="0"/>
+              <a:t>‹#›</a:t>
+            </a:fld>
+            <a:endParaRPr lang="en-BE"/>
+          </a:p>
+        </p:txBody>
+      </p:sp>
+    </p:spTree>
+    <p:extLst>
+      <p:ext uri="{BB962C8B-B14F-4D97-AF65-F5344CB8AC3E}">
+        <p14:creationId xmlns:p14="http://schemas.microsoft.com/office/powerpoint/2010/main" val="1267932712"/>
+      </p:ext>
+    </p:extLst>
+  </p:cSld>
+  <p:clrMap bg1="lt1" tx1="dk1" bg2="lt2" tx2="dk2" accent1="accent1" accent2="accent2" accent3="accent3" accent4="accent4" accent5="accent5" accent6="accent6" hlink="hlink" folHlink="folHlink"/>
+  <p:notesStyle>
+    <a:lvl1pPr marL="0" algn="l" defTabSz="914400" rtl="0" eaLnBrk="1" latinLnBrk="0" hangingPunct="1">
+      <a:defRPr sz="1200" kern="1200">
+        <a:solidFill>
+          <a:schemeClr val="tx1"/>
+        </a:solidFill>
+        <a:latin typeface="+mn-lt"/>
+        <a:ea typeface="+mn-ea"/>
+        <a:cs typeface="+mn-cs"/>
+      </a:defRPr>
+    </a:lvl1pPr>
+    <a:lvl2pPr marL="457200" algn="l" defTabSz="914400" rtl="0" eaLnBrk="1" latinLnBrk="0" hangingPunct="1">
+      <a:defRPr sz="1200" kern="1200">
+        <a:solidFill>
+          <a:schemeClr val="tx1"/>
+        </a:solidFill>
+        <a:latin typeface="+mn-lt"/>
+        <a:ea typeface="+mn-ea"/>
+        <a:cs typeface="+mn-cs"/>
+      </a:defRPr>
+    </a:lvl2pPr>
+    <a:lvl3pPr marL="914400" algn="l" defTabSz="914400" rtl="0" eaLnBrk="1" latinLnBrk="0" hangingPunct="1">
+      <a:defRPr sz="1200" kern="1200">
+        <a:solidFill>
+          <a:schemeClr val="tx1"/>
+        </a:solidFill>
+        <a:latin typeface="+mn-lt"/>
+        <a:ea typeface="+mn-ea"/>
+        <a:cs typeface="+mn-cs"/>
+      </a:defRPr>
+    </a:lvl3pPr>
+    <a:lvl4pPr marL="1371600" algn="l" defTabSz="914400" rtl="0" eaLnBrk="1" latinLnBrk="0" hangingPunct="1">
+      <a:defRPr sz="1200" kern="1200">
+        <a:solidFill>
+          <a:schemeClr val="tx1"/>
+        </a:solidFill>
+        <a:latin typeface="+mn-lt"/>
+        <a:ea typeface="+mn-ea"/>
+        <a:cs typeface="+mn-cs"/>
+      </a:defRPr>
+    </a:lvl4pPr>
+    <a:lvl5pPr marL="1828800" algn="l" defTabSz="914400" rtl="0" eaLnBrk="1" latinLnBrk="0" hangingPunct="1">
+      <a:defRPr sz="1200" kern="1200">
+        <a:solidFill>
+          <a:schemeClr val="tx1"/>
+        </a:solidFill>
+        <a:latin typeface="+mn-lt"/>
+        <a:ea typeface="+mn-ea"/>
+        <a:cs typeface="+mn-cs"/>
+      </a:defRPr>
+    </a:lvl5pPr>
+    <a:lvl6pPr marL="2286000" algn="l" defTabSz="914400" rtl="0" eaLnBrk="1" latinLnBrk="0" hangingPunct="1">
+      <a:defRPr sz="1200" kern="1200">
+        <a:solidFill>
+          <a:schemeClr val="tx1"/>
+        </a:solidFill>
+        <a:latin typeface="+mn-lt"/>
+        <a:ea typeface="+mn-ea"/>
+        <a:cs typeface="+mn-cs"/>
+      </a:defRPr>
+    </a:lvl6pPr>
+    <a:lvl7pPr marL="2743200" algn="l" defTabSz="914400" rtl="0" eaLnBrk="1" latinLnBrk="0" hangingPunct="1">
+      <a:defRPr sz="1200" kern="1200">
+        <a:solidFill>
+          <a:schemeClr val="tx1"/>
+        </a:solidFill>
+        <a:latin typeface="+mn-lt"/>
+        <a:ea typeface="+mn-ea"/>
+        <a:cs typeface="+mn-cs"/>
+      </a:defRPr>
+    </a:lvl7pPr>
+    <a:lvl8pPr marL="3200400" algn="l" defTabSz="914400" rtl="0" eaLnBrk="1" latinLnBrk="0" hangingPunct="1">
+      <a:defRPr sz="1200" kern="1200">
+        <a:solidFill>
+          <a:schemeClr val="tx1"/>
+        </a:solidFill>
+        <a:latin typeface="+mn-lt"/>
+        <a:ea typeface="+mn-ea"/>
+        <a:cs typeface="+mn-cs"/>
+      </a:defRPr>
+    </a:lvl8pPr>
+    <a:lvl9pPr marL="3657600" algn="l" defTabSz="914400" rtl="0" eaLnBrk="1" latinLnBrk="0" hangingPunct="1">
+      <a:defRPr sz="1200" kern="1200">
+        <a:solidFill>
+          <a:schemeClr val="tx1"/>
+        </a:solidFill>
+        <a:latin typeface="+mn-lt"/>
+        <a:ea typeface="+mn-ea"/>
+        <a:cs typeface="+mn-cs"/>
+      </a:defRPr>
+    </a:lvl9pPr>
+  </p:notesStyle>
+</p:notesMaster>
+</file>
+
+<file path=ppt/notesSlides/notesSlide1.xml><?xml version="1.0" encoding="utf-8"?>
+<p:notes xmlns:a="http://schemas.openxmlformats.org/drawingml/2006/main" xmlns:r="http://schemas.openxmlformats.org/officeDocument/2006/relationships" xmlns:p="http://schemas.openxmlformats.org/presentationml/2006/main">
+  <p:cSld>
+    <p:spTree>
+      <p:nvGrpSpPr>
+        <p:cNvPr id="1" name=""/>
+        <p:cNvGrpSpPr/>
+        <p:nvPr/>
+      </p:nvGrpSpPr>
+      <p:grpSpPr>
+        <a:xfrm>
+          <a:off x="0" y="0"/>
+          <a:ext cx="0" cy="0"/>
+          <a:chOff x="0" y="0"/>
+          <a:chExt cx="0" cy="0"/>
+        </a:xfrm>
+      </p:grpSpPr>
+      <p:sp>
+        <p:nvSpPr>
+          <p:cNvPr id="2" name="Slide Image Placeholder 1"/>
+          <p:cNvSpPr>
+            <a:spLocks noGrp="1" noRot="1" noChangeAspect="1"/>
+          </p:cNvSpPr>
+          <p:nvPr>
+            <p:ph type="sldImg"/>
+          </p:nvPr>
+        </p:nvSpPr>
+        <p:spPr/>
+      </p:sp>
+      <p:sp>
+        <p:nvSpPr>
+          <p:cNvPr id="3" name="Notes Placeholder 2"/>
+          <p:cNvSpPr>
+            <a:spLocks noGrp="1"/>
+          </p:cNvSpPr>
+          <p:nvPr>
+            <p:ph type="body" idx="1"/>
+          </p:nvPr>
+        </p:nvSpPr>
+        <p:spPr/>
+        <p:txBody>
+          <a:bodyPr/>
+          <a:lstStyle/>
+          <a:p>
+            <a:r>
+              <a:rPr lang="en-US" dirty="0"/>
+              <a:t>Sort of an introduction, to then show the content.</a:t>
+            </a:r>
+          </a:p>
+          <a:p>
+            <a:endParaRPr lang="en-US" dirty="0"/>
+          </a:p>
+          <a:p>
+            <a:r>
+              <a:rPr lang="en-US" dirty="0"/>
+              <a:t>“This project comes from this client…. With the aim to….. In sequence of…..”</a:t>
+            </a:r>
+          </a:p>
+        </p:txBody>
+      </p:sp>
+      <p:sp>
+        <p:nvSpPr>
+          <p:cNvPr id="4" name="Slide Number Placeholder 3"/>
+          <p:cNvSpPr>
+            <a:spLocks noGrp="1"/>
+          </p:cNvSpPr>
+          <p:nvPr>
+            <p:ph type="sldNum" sz="quarter" idx="5"/>
+          </p:nvPr>
+        </p:nvSpPr>
+        <p:spPr/>
+        <p:txBody>
+          <a:bodyPr/>
+          <a:lstStyle/>
+          <a:p>
+            <a:fld id="{35FC46E8-9FC8-4688-8257-D5F93C4B6689}" type="slidenum">
+              <a:rPr lang="en-BE" smtClean="0"/>
+              <a:t>2</a:t>
+            </a:fld>
+            <a:endParaRPr lang="en-BE"/>
+          </a:p>
+        </p:txBody>
+      </p:sp>
+    </p:spTree>
+    <p:extLst>
+      <p:ext uri="{BB962C8B-B14F-4D97-AF65-F5344CB8AC3E}">
+        <p14:creationId xmlns:p14="http://schemas.microsoft.com/office/powerpoint/2010/main" val="3784426699"/>
+      </p:ext>
+    </p:extLst>
+  </p:cSld>
+  <p:clrMapOvr>
+    <a:masterClrMapping/>
+  </p:clrMapOvr>
+</p:notes>
+</file>
+
+<file path=ppt/notesSlides/notesSlide2.xml><?xml version="1.0" encoding="utf-8"?>
+<p:notes xmlns:a="http://schemas.openxmlformats.org/drawingml/2006/main" xmlns:r="http://schemas.openxmlformats.org/officeDocument/2006/relationships" xmlns:p="http://schemas.openxmlformats.org/presentationml/2006/main">
+  <p:cSld>
+    <p:spTree>
+      <p:nvGrpSpPr>
+        <p:cNvPr id="1" name=""/>
+        <p:cNvGrpSpPr/>
+        <p:nvPr/>
+      </p:nvGrpSpPr>
+      <p:grpSpPr>
+        <a:xfrm>
+          <a:off x="0" y="0"/>
+          <a:ext cx="0" cy="0"/>
+          <a:chOff x="0" y="0"/>
+          <a:chExt cx="0" cy="0"/>
+        </a:xfrm>
+      </p:grpSpPr>
+      <p:sp>
+        <p:nvSpPr>
+          <p:cNvPr id="2" name="Slide Image Placeholder 1"/>
+          <p:cNvSpPr>
+            <a:spLocks noGrp="1" noRot="1" noChangeAspect="1"/>
+          </p:cNvSpPr>
+          <p:nvPr>
+            <p:ph type="sldImg"/>
+          </p:nvPr>
+        </p:nvSpPr>
+        <p:spPr/>
+      </p:sp>
+      <p:sp>
+        <p:nvSpPr>
+          <p:cNvPr id="3" name="Notes Placeholder 2"/>
+          <p:cNvSpPr>
+            <a:spLocks noGrp="1"/>
+          </p:cNvSpPr>
+          <p:nvPr>
+            <p:ph type="body" idx="1"/>
+          </p:nvPr>
+        </p:nvSpPr>
+        <p:spPr/>
+        <p:txBody>
+          <a:bodyPr/>
+          <a:lstStyle/>
+          <a:p>
+            <a:endParaRPr lang="en-BE" dirty="0"/>
+          </a:p>
+        </p:txBody>
+      </p:sp>
+      <p:sp>
+        <p:nvSpPr>
+          <p:cNvPr id="4" name="Slide Number Placeholder 3"/>
+          <p:cNvSpPr>
+            <a:spLocks noGrp="1"/>
+          </p:cNvSpPr>
+          <p:nvPr>
+            <p:ph type="sldNum" sz="quarter" idx="5"/>
+          </p:nvPr>
+        </p:nvSpPr>
+        <p:spPr/>
+        <p:txBody>
+          <a:bodyPr/>
+          <a:lstStyle/>
+          <a:p>
+            <a:fld id="{35FC46E8-9FC8-4688-8257-D5F93C4B6689}" type="slidenum">
+              <a:rPr lang="en-BE" smtClean="0"/>
+              <a:t>3</a:t>
+            </a:fld>
+            <a:endParaRPr lang="en-BE"/>
+          </a:p>
+        </p:txBody>
+      </p:sp>
+    </p:spTree>
+    <p:extLst>
+      <p:ext uri="{BB962C8B-B14F-4D97-AF65-F5344CB8AC3E}">
+        <p14:creationId xmlns:p14="http://schemas.microsoft.com/office/powerpoint/2010/main" val="2369644567"/>
+      </p:ext>
+    </p:extLst>
+  </p:cSld>
+  <p:clrMapOvr>
+    <a:masterClrMapping/>
+  </p:clrMapOvr>
+</p:notes>
+</file>
+
+<file path=ppt/notesSlides/notesSlide3.xml><?xml version="1.0" encoding="utf-8"?>
+<p:notes xmlns:a="http://schemas.openxmlformats.org/drawingml/2006/main" xmlns:r="http://schemas.openxmlformats.org/officeDocument/2006/relationships" xmlns:p="http://schemas.openxmlformats.org/presentationml/2006/main">
+  <p:cSld>
+    <p:spTree>
+      <p:nvGrpSpPr>
+        <p:cNvPr id="1" name=""/>
+        <p:cNvGrpSpPr/>
+        <p:nvPr/>
+      </p:nvGrpSpPr>
+      <p:grpSpPr>
+        <a:xfrm>
+          <a:off x="0" y="0"/>
+          <a:ext cx="0" cy="0"/>
+          <a:chOff x="0" y="0"/>
+          <a:chExt cx="0" cy="0"/>
+        </a:xfrm>
+      </p:grpSpPr>
+      <p:sp>
+        <p:nvSpPr>
+          <p:cNvPr id="2" name="Slide Image Placeholder 1"/>
+          <p:cNvSpPr>
+            <a:spLocks noGrp="1" noRot="1" noChangeAspect="1"/>
+          </p:cNvSpPr>
+          <p:nvPr>
+            <p:ph type="sldImg"/>
+          </p:nvPr>
+        </p:nvSpPr>
+        <p:spPr/>
+      </p:sp>
+      <p:sp>
+        <p:nvSpPr>
+          <p:cNvPr id="3" name="Notes Placeholder 2"/>
+          <p:cNvSpPr>
+            <a:spLocks noGrp="1"/>
+          </p:cNvSpPr>
+          <p:nvPr>
+            <p:ph type="body" idx="1"/>
+          </p:nvPr>
+        </p:nvSpPr>
+        <p:spPr/>
+        <p:txBody>
+          <a:bodyPr/>
+          <a:lstStyle/>
+          <a:p>
+            <a:pPr marL="0" marR="0" lvl="0" indent="0" algn="l" defTabSz="914400" rtl="0" eaLnBrk="1" fontAlgn="auto" latinLnBrk="0" hangingPunct="1">
+              <a:lnSpc>
+                <a:spcPct val="100000"/>
+              </a:lnSpc>
+              <a:spcBef>
+                <a:spcPts val="0"/>
+              </a:spcBef>
+              <a:spcAft>
+                <a:spcPts val="0"/>
+              </a:spcAft>
+              <a:buClrTx/>
+              <a:buSzTx/>
+              <a:buFontTx/>
+              <a:buNone/>
+              <a:tabLst/>
+              <a:defRPr/>
+            </a:pPr>
+            <a:r>
+              <a:rPr lang="en-US" sz="1200" b="1" dirty="0">
+                <a:solidFill>
+                  <a:schemeClr val="accent6">
+                    <a:lumMod val="50000"/>
+                  </a:schemeClr>
+                </a:solidFill>
+                <a:latin typeface="Arial Nova Light" panose="020B0304020202020204" pitchFamily="34" charset="0"/>
+              </a:rPr>
+              <a:t>- Why is data cleaning important?</a:t>
+            </a:r>
+          </a:p>
+          <a:p>
+            <a:pPr marL="0" marR="0" lvl="0" indent="0" algn="l" defTabSz="914400" rtl="0" eaLnBrk="1" fontAlgn="auto" latinLnBrk="0" hangingPunct="1">
+              <a:lnSpc>
+                <a:spcPct val="100000"/>
+              </a:lnSpc>
+              <a:spcBef>
+                <a:spcPts val="0"/>
+              </a:spcBef>
+              <a:spcAft>
+                <a:spcPts val="0"/>
+              </a:spcAft>
+              <a:buClrTx/>
+              <a:buSzTx/>
+              <a:buFontTx/>
+              <a:buNone/>
+              <a:tabLst/>
+              <a:defRPr/>
+            </a:pPr>
+            <a:r>
+              <a:rPr lang="en-US" sz="1200" b="1" dirty="0">
+                <a:solidFill>
+                  <a:schemeClr val="accent6">
+                    <a:lumMod val="50000"/>
+                  </a:schemeClr>
+                </a:solidFill>
+                <a:latin typeface="Arial Nova Light" panose="020B0304020202020204" pitchFamily="34" charset="0"/>
+              </a:rPr>
+              <a:t>-Used the previous pre-cleaned data set: </a:t>
+            </a:r>
+            <a:r>
+              <a:rPr lang="en-US" sz="1200" b="0" dirty="0">
+                <a:solidFill>
+                  <a:schemeClr val="accent6">
+                    <a:lumMod val="50000"/>
+                  </a:schemeClr>
+                </a:solidFill>
+                <a:latin typeface="Arial Nova Light" panose="020B0304020202020204" pitchFamily="34" charset="0"/>
+              </a:rPr>
+              <a:t>where this data comes from; </a:t>
+            </a:r>
+            <a:r>
+              <a:rPr lang="en-US" sz="1200" dirty="0">
+                <a:solidFill>
+                  <a:schemeClr val="accent6">
+                    <a:lumMod val="50000"/>
+                  </a:schemeClr>
+                </a:solidFill>
+                <a:latin typeface="Arial Nova Light" panose="020B0304020202020204" pitchFamily="34" charset="0"/>
+              </a:rPr>
+              <a:t>how it was cleaned and how good??</a:t>
+            </a:r>
+          </a:p>
+          <a:p>
+            <a:pPr marL="0" marR="0" lvl="0" indent="0" algn="l" defTabSz="914400" rtl="0" eaLnBrk="1" fontAlgn="auto" latinLnBrk="0" hangingPunct="1">
+              <a:lnSpc>
+                <a:spcPct val="100000"/>
+              </a:lnSpc>
+              <a:spcBef>
+                <a:spcPts val="0"/>
+              </a:spcBef>
+              <a:spcAft>
+                <a:spcPts val="0"/>
+              </a:spcAft>
+              <a:buClrTx/>
+              <a:buSzTx/>
+              <a:buFontTx/>
+              <a:buNone/>
+              <a:tabLst/>
+              <a:defRPr/>
+            </a:pPr>
+            <a:r>
+              <a:rPr lang="en-US" b="1" dirty="0"/>
+              <a:t>-</a:t>
+            </a:r>
+            <a:r>
+              <a:rPr lang="en-US" sz="1200" b="1" dirty="0">
+                <a:solidFill>
+                  <a:schemeClr val="accent6">
+                    <a:lumMod val="50000"/>
+                  </a:schemeClr>
+                </a:solidFill>
+                <a:latin typeface="Arial Nova Light" panose="020B0304020202020204" pitchFamily="34" charset="0"/>
+              </a:rPr>
+              <a:t>Focus on adapting data set for machine leaning: </a:t>
+            </a:r>
+            <a:r>
+              <a:rPr lang="en-US" sz="1200" b="0" dirty="0">
+                <a:solidFill>
+                  <a:schemeClr val="accent6">
+                    <a:lumMod val="50000"/>
+                  </a:schemeClr>
+                </a:solidFill>
+                <a:latin typeface="Arial Nova Light" panose="020B0304020202020204" pitchFamily="34" charset="0"/>
+              </a:rPr>
+              <a:t>no categorical; highly correlated data ----</a:t>
+            </a:r>
+            <a:r>
+              <a:rPr lang="en-US" sz="1200" b="0" dirty="0">
+                <a:solidFill>
+                  <a:schemeClr val="accent6">
+                    <a:lumMod val="50000"/>
+                  </a:schemeClr>
+                </a:solidFill>
+                <a:latin typeface="Arial Nova Light" panose="020B0304020202020204" pitchFamily="34" charset="0"/>
+                <a:sym typeface="Wingdings" panose="05000000000000000000" pitchFamily="2" charset="2"/>
+              </a:rPr>
+              <a:t> discussed in the next slide with correlation map</a:t>
+            </a:r>
+            <a:endParaRPr lang="en-US" sz="1200" b="0" dirty="0">
+              <a:solidFill>
+                <a:schemeClr val="accent6">
+                  <a:lumMod val="50000"/>
+                </a:schemeClr>
+              </a:solidFill>
+              <a:latin typeface="Arial Nova Light" panose="020B0304020202020204" pitchFamily="34" charset="0"/>
+            </a:endParaRPr>
+          </a:p>
+          <a:p>
+            <a:pPr marL="0" marR="0" lvl="0" indent="0" algn="l" defTabSz="914400" rtl="0" eaLnBrk="1" fontAlgn="auto" latinLnBrk="0" hangingPunct="1">
+              <a:lnSpc>
+                <a:spcPct val="100000"/>
+              </a:lnSpc>
+              <a:spcBef>
+                <a:spcPts val="0"/>
+              </a:spcBef>
+              <a:spcAft>
+                <a:spcPts val="0"/>
+              </a:spcAft>
+              <a:buClrTx/>
+              <a:buSzTx/>
+              <a:buFontTx/>
+              <a:buNone/>
+              <a:tabLst/>
+              <a:defRPr/>
+            </a:pPr>
+            <a:r>
+              <a:rPr lang="en-US" sz="1200" b="1" dirty="0">
+                <a:solidFill>
+                  <a:schemeClr val="accent6">
+                    <a:lumMod val="50000"/>
+                  </a:schemeClr>
+                </a:solidFill>
+                <a:latin typeface="Arial Nova Light" panose="020B0304020202020204" pitchFamily="34" charset="0"/>
+              </a:rPr>
+              <a:t>- Keeping the house features that are better for perditions: </a:t>
+            </a:r>
+            <a:r>
+              <a:rPr lang="en-US" sz="1200" b="0" dirty="0">
+                <a:solidFill>
+                  <a:schemeClr val="accent6">
+                    <a:lumMod val="50000"/>
+                  </a:schemeClr>
+                </a:solidFill>
+                <a:latin typeface="Arial Nova Light" panose="020B0304020202020204" pitchFamily="34" charset="0"/>
+              </a:rPr>
+              <a:t>----</a:t>
+            </a:r>
+            <a:r>
+              <a:rPr lang="en-US" sz="1200" b="0" dirty="0">
+                <a:solidFill>
+                  <a:schemeClr val="accent6">
+                    <a:lumMod val="50000"/>
+                  </a:schemeClr>
+                </a:solidFill>
+                <a:latin typeface="Arial Nova Light" panose="020B0304020202020204" pitchFamily="34" charset="0"/>
+                <a:sym typeface="Wingdings" panose="05000000000000000000" pitchFamily="2" charset="2"/>
+              </a:rPr>
+              <a:t> discussed in the next slide with correlation map</a:t>
+            </a:r>
+            <a:endParaRPr lang="en-BE" sz="1200" b="1" dirty="0">
+              <a:solidFill>
+                <a:schemeClr val="accent6">
+                  <a:lumMod val="50000"/>
+                </a:schemeClr>
+              </a:solidFill>
+              <a:latin typeface="Arial Nova Light" panose="020B0304020202020204" pitchFamily="34" charset="0"/>
+            </a:endParaRPr>
+          </a:p>
+          <a:p>
+            <a:pPr marL="0" marR="0" lvl="0" indent="0" algn="l" defTabSz="914400" rtl="0" eaLnBrk="1" fontAlgn="auto" latinLnBrk="0" hangingPunct="1">
+              <a:lnSpc>
+                <a:spcPct val="100000"/>
+              </a:lnSpc>
+              <a:spcBef>
+                <a:spcPts val="0"/>
+              </a:spcBef>
+              <a:spcAft>
+                <a:spcPts val="0"/>
+              </a:spcAft>
+              <a:buClrTx/>
+              <a:buSzTx/>
+              <a:buFontTx/>
+              <a:buNone/>
+              <a:tabLst/>
+              <a:defRPr/>
+            </a:pPr>
+            <a:r>
+              <a:rPr lang="en-US" sz="1200" b="1" dirty="0">
+                <a:solidFill>
+                  <a:schemeClr val="accent6">
+                    <a:lumMod val="50000"/>
+                  </a:schemeClr>
+                </a:solidFill>
+                <a:latin typeface="Arial Nova Light" panose="020B0304020202020204" pitchFamily="34" charset="0"/>
+              </a:rPr>
+              <a:t>- Removing the ones that don’t fit good this purpose: </a:t>
+            </a:r>
+            <a:r>
+              <a:rPr lang="en-US" sz="1200" b="0" dirty="0">
+                <a:solidFill>
+                  <a:schemeClr val="accent6">
+                    <a:lumMod val="50000"/>
+                  </a:schemeClr>
+                </a:solidFill>
+                <a:latin typeface="Arial Nova Light" panose="020B0304020202020204" pitchFamily="34" charset="0"/>
+              </a:rPr>
+              <a:t>outliers</a:t>
+            </a:r>
+            <a:endParaRPr lang="en-BE" sz="1200" b="1" dirty="0">
+              <a:solidFill>
+                <a:schemeClr val="accent6">
+                  <a:lumMod val="50000"/>
+                </a:schemeClr>
+              </a:solidFill>
+              <a:latin typeface="Arial Nova Light" panose="020B0304020202020204" pitchFamily="34" charset="0"/>
+            </a:endParaRPr>
+          </a:p>
+          <a:p>
+            <a:pPr marL="0" marR="0" lvl="0" indent="0" algn="l" defTabSz="914400" rtl="0" eaLnBrk="1" fontAlgn="auto" latinLnBrk="0" hangingPunct="1">
+              <a:lnSpc>
+                <a:spcPct val="100000"/>
+              </a:lnSpc>
+              <a:spcBef>
+                <a:spcPts val="0"/>
+              </a:spcBef>
+              <a:spcAft>
+                <a:spcPts val="0"/>
+              </a:spcAft>
+              <a:buClrTx/>
+              <a:buSzTx/>
+              <a:buFontTx/>
+              <a:buNone/>
+              <a:tabLst/>
+              <a:defRPr/>
+            </a:pPr>
+            <a:endParaRPr lang="en-US" sz="1200" b="1" dirty="0">
+              <a:solidFill>
+                <a:schemeClr val="accent6">
+                  <a:lumMod val="50000"/>
+                </a:schemeClr>
+              </a:solidFill>
+              <a:latin typeface="Arial Nova Light" panose="020B0304020202020204" pitchFamily="34" charset="0"/>
+            </a:endParaRPr>
+          </a:p>
+          <a:p>
+            <a:pPr marL="0" marR="0" lvl="0" indent="0" algn="l" defTabSz="914400" rtl="0" eaLnBrk="1" fontAlgn="auto" latinLnBrk="0" hangingPunct="1">
+              <a:lnSpc>
+                <a:spcPct val="100000"/>
+              </a:lnSpc>
+              <a:spcBef>
+                <a:spcPts val="0"/>
+              </a:spcBef>
+              <a:spcAft>
+                <a:spcPts val="0"/>
+              </a:spcAft>
+              <a:buClrTx/>
+              <a:buSzTx/>
+              <a:buFontTx/>
+              <a:buNone/>
+              <a:tabLst/>
+              <a:defRPr/>
+            </a:pPr>
+            <a:endParaRPr lang="en-US" sz="1200" b="1" dirty="0">
+              <a:solidFill>
+                <a:schemeClr val="accent6">
+                  <a:lumMod val="50000"/>
+                </a:schemeClr>
+              </a:solidFill>
+              <a:latin typeface="Arial Nova Light" panose="020B0304020202020204" pitchFamily="34" charset="0"/>
+            </a:endParaRPr>
+          </a:p>
+          <a:p>
+            <a:endParaRPr lang="en-BE" dirty="0"/>
+          </a:p>
+        </p:txBody>
+      </p:sp>
+      <p:sp>
+        <p:nvSpPr>
+          <p:cNvPr id="4" name="Slide Number Placeholder 3"/>
+          <p:cNvSpPr>
+            <a:spLocks noGrp="1"/>
+          </p:cNvSpPr>
+          <p:nvPr>
+            <p:ph type="sldNum" sz="quarter" idx="5"/>
+          </p:nvPr>
+        </p:nvSpPr>
+        <p:spPr/>
+        <p:txBody>
+          <a:bodyPr/>
+          <a:lstStyle/>
+          <a:p>
+            <a:fld id="{35FC46E8-9FC8-4688-8257-D5F93C4B6689}" type="slidenum">
+              <a:rPr lang="en-BE" smtClean="0"/>
+              <a:t>4</a:t>
+            </a:fld>
+            <a:endParaRPr lang="en-BE"/>
+          </a:p>
+        </p:txBody>
+      </p:sp>
+    </p:spTree>
+    <p:extLst>
+      <p:ext uri="{BB962C8B-B14F-4D97-AF65-F5344CB8AC3E}">
+        <p14:creationId xmlns:p14="http://schemas.microsoft.com/office/powerpoint/2010/main" val="4149515342"/>
+      </p:ext>
+    </p:extLst>
+  </p:cSld>
+  <p:clrMapOvr>
+    <a:masterClrMapping/>
+  </p:clrMapOvr>
+</p:notes>
+</file>
+
+<file path=ppt/notesSlides/notesSlide4.xml><?xml version="1.0" encoding="utf-8"?>
+<p:notes xmlns:a="http://schemas.openxmlformats.org/drawingml/2006/main" xmlns:r="http://schemas.openxmlformats.org/officeDocument/2006/relationships" xmlns:p="http://schemas.openxmlformats.org/presentationml/2006/main">
+  <p:cSld>
+    <p:spTree>
+      <p:nvGrpSpPr>
+        <p:cNvPr id="1" name=""/>
+        <p:cNvGrpSpPr/>
+        <p:nvPr/>
+      </p:nvGrpSpPr>
+      <p:grpSpPr>
+        <a:xfrm>
+          <a:off x="0" y="0"/>
+          <a:ext cx="0" cy="0"/>
+          <a:chOff x="0" y="0"/>
+          <a:chExt cx="0" cy="0"/>
+        </a:xfrm>
+      </p:grpSpPr>
+      <p:sp>
+        <p:nvSpPr>
+          <p:cNvPr id="2" name="Slide Image Placeholder 1"/>
+          <p:cNvSpPr>
+            <a:spLocks noGrp="1" noRot="1" noChangeAspect="1"/>
+          </p:cNvSpPr>
+          <p:nvPr>
+            <p:ph type="sldImg"/>
+          </p:nvPr>
+        </p:nvSpPr>
+        <p:spPr/>
+      </p:sp>
+      <p:sp>
+        <p:nvSpPr>
+          <p:cNvPr id="3" name="Notes Placeholder 2"/>
+          <p:cNvSpPr>
+            <a:spLocks noGrp="1"/>
+          </p:cNvSpPr>
+          <p:nvPr>
+            <p:ph type="body" idx="1"/>
+          </p:nvPr>
+        </p:nvSpPr>
+        <p:spPr/>
+        <p:txBody>
+          <a:bodyPr/>
+          <a:lstStyle/>
+          <a:p>
+            <a:pPr marL="171450" indent="-171450">
+              <a:buFontTx/>
+              <a:buChar char="-"/>
+            </a:pPr>
+            <a:r>
+              <a:rPr lang="en-US" b="1" dirty="0"/>
+              <a:t>What features are highly correlated;</a:t>
+            </a:r>
+          </a:p>
+          <a:p>
+            <a:pPr marL="171450" indent="-171450">
+              <a:buFontTx/>
+              <a:buChar char="-"/>
+            </a:pPr>
+            <a:r>
+              <a:rPr lang="en-US" b="1" dirty="0"/>
+              <a:t>Why not including swimming pool;</a:t>
+            </a:r>
+          </a:p>
+          <a:p>
+            <a:pPr marL="0" indent="0">
+              <a:buFontTx/>
+              <a:buNone/>
+            </a:pPr>
+            <a:endParaRPr lang="en-BE" dirty="0"/>
+          </a:p>
+        </p:txBody>
+      </p:sp>
+      <p:sp>
+        <p:nvSpPr>
+          <p:cNvPr id="4" name="Slide Number Placeholder 3"/>
+          <p:cNvSpPr>
+            <a:spLocks noGrp="1"/>
+          </p:cNvSpPr>
+          <p:nvPr>
+            <p:ph type="sldNum" sz="quarter" idx="5"/>
+          </p:nvPr>
+        </p:nvSpPr>
+        <p:spPr/>
+        <p:txBody>
+          <a:bodyPr/>
+          <a:lstStyle/>
+          <a:p>
+            <a:fld id="{35FC46E8-9FC8-4688-8257-D5F93C4B6689}" type="slidenum">
+              <a:rPr lang="en-BE" smtClean="0"/>
+              <a:t>5</a:t>
+            </a:fld>
+            <a:endParaRPr lang="en-BE"/>
+          </a:p>
+        </p:txBody>
+      </p:sp>
+    </p:spTree>
+    <p:extLst>
+      <p:ext uri="{BB962C8B-B14F-4D97-AF65-F5344CB8AC3E}">
+        <p14:creationId xmlns:p14="http://schemas.microsoft.com/office/powerpoint/2010/main" val="2832726424"/>
+      </p:ext>
+    </p:extLst>
+  </p:cSld>
+  <p:clrMapOvr>
+    <a:masterClrMapping/>
+  </p:clrMapOvr>
+</p:notes>
+</file>
+
+<file path=ppt/notesSlides/notesSlide5.xml><?xml version="1.0" encoding="utf-8"?>
+<p:notes xmlns:a="http://schemas.openxmlformats.org/drawingml/2006/main" xmlns:r="http://schemas.openxmlformats.org/officeDocument/2006/relationships" xmlns:p="http://schemas.openxmlformats.org/presentationml/2006/main">
+  <p:cSld>
+    <p:spTree>
+      <p:nvGrpSpPr>
+        <p:cNvPr id="1" name=""/>
+        <p:cNvGrpSpPr/>
+        <p:nvPr/>
+      </p:nvGrpSpPr>
+      <p:grpSpPr>
+        <a:xfrm>
+          <a:off x="0" y="0"/>
+          <a:ext cx="0" cy="0"/>
+          <a:chOff x="0" y="0"/>
+          <a:chExt cx="0" cy="0"/>
+        </a:xfrm>
+      </p:grpSpPr>
+      <p:sp>
+        <p:nvSpPr>
+          <p:cNvPr id="2" name="Slide Image Placeholder 1"/>
+          <p:cNvSpPr>
+            <a:spLocks noGrp="1" noRot="1" noChangeAspect="1"/>
+          </p:cNvSpPr>
+          <p:nvPr>
+            <p:ph type="sldImg"/>
+          </p:nvPr>
+        </p:nvSpPr>
+        <p:spPr/>
+      </p:sp>
+      <p:sp>
+        <p:nvSpPr>
+          <p:cNvPr id="3" name="Notes Placeholder 2"/>
+          <p:cNvSpPr>
+            <a:spLocks noGrp="1"/>
+          </p:cNvSpPr>
+          <p:nvPr>
+            <p:ph type="body" idx="1"/>
+          </p:nvPr>
+        </p:nvSpPr>
+        <p:spPr/>
+        <p:txBody>
+          <a:bodyPr/>
+          <a:lstStyle/>
+          <a:p>
+            <a:pPr marL="171450" indent="-171450">
+              <a:buFontTx/>
+              <a:buChar char="-"/>
+            </a:pPr>
+            <a:r>
+              <a:rPr lang="en-US" dirty="0"/>
+              <a:t>Why is data pre processing important?</a:t>
+            </a:r>
+          </a:p>
+          <a:p>
+            <a:pPr marL="171450" indent="-171450">
+              <a:buFontTx/>
+              <a:buChar char="-"/>
+            </a:pPr>
+            <a:r>
+              <a:rPr lang="en-US" dirty="0"/>
+              <a:t>Why remove redundancy</a:t>
+            </a:r>
+          </a:p>
+          <a:p>
+            <a:pPr marL="171450" indent="-171450">
+              <a:buFontTx/>
+              <a:buChar char="-"/>
+            </a:pPr>
+            <a:r>
+              <a:rPr lang="en-US" dirty="0"/>
+              <a:t>What king of data engineering we did and why</a:t>
+            </a:r>
+          </a:p>
+          <a:p>
+            <a:pPr marL="171450" indent="-171450">
+              <a:buFontTx/>
+              <a:buChar char="-"/>
+            </a:pPr>
+            <a:r>
+              <a:rPr lang="en-US" dirty="0"/>
+              <a:t>Why standardize the data</a:t>
+            </a:r>
+          </a:p>
+          <a:p>
+            <a:pPr marL="171450" indent="-171450">
+              <a:buFontTx/>
+              <a:buChar char="-"/>
+            </a:pPr>
+            <a:r>
+              <a:rPr lang="en-US" dirty="0"/>
+              <a:t>Why not hot </a:t>
+            </a:r>
+            <a:r>
+              <a:rPr lang="en-US" dirty="0" err="1"/>
+              <a:t>enconding</a:t>
+            </a:r>
+            <a:r>
+              <a:rPr lang="en-US" dirty="0"/>
+              <a:t> other feature?</a:t>
+            </a:r>
+            <a:endParaRPr lang="en-BE" dirty="0"/>
+          </a:p>
+        </p:txBody>
+      </p:sp>
+      <p:sp>
+        <p:nvSpPr>
+          <p:cNvPr id="4" name="Slide Number Placeholder 3"/>
+          <p:cNvSpPr>
+            <a:spLocks noGrp="1"/>
+          </p:cNvSpPr>
+          <p:nvPr>
+            <p:ph type="sldNum" sz="quarter" idx="5"/>
+          </p:nvPr>
+        </p:nvSpPr>
+        <p:spPr/>
+        <p:txBody>
+          <a:bodyPr/>
+          <a:lstStyle/>
+          <a:p>
+            <a:fld id="{35FC46E8-9FC8-4688-8257-D5F93C4B6689}" type="slidenum">
+              <a:rPr lang="en-BE" smtClean="0"/>
+              <a:t>6</a:t>
+            </a:fld>
+            <a:endParaRPr lang="en-BE"/>
+          </a:p>
+        </p:txBody>
+      </p:sp>
+    </p:spTree>
+    <p:extLst>
+      <p:ext uri="{BB962C8B-B14F-4D97-AF65-F5344CB8AC3E}">
+        <p14:creationId xmlns:p14="http://schemas.microsoft.com/office/powerpoint/2010/main" val="531984135"/>
+      </p:ext>
+    </p:extLst>
+  </p:cSld>
+  <p:clrMapOvr>
+    <a:masterClrMapping/>
+  </p:clrMapOvr>
+</p:notes>
+</file>
+
+<file path=ppt/notesSlides/notesSlide6.xml><?xml version="1.0" encoding="utf-8"?>
+<p:notes xmlns:a="http://schemas.openxmlformats.org/drawingml/2006/main" xmlns:r="http://schemas.openxmlformats.org/officeDocument/2006/relationships" xmlns:p="http://schemas.openxmlformats.org/presentationml/2006/main">
+  <p:cSld>
+    <p:spTree>
+      <p:nvGrpSpPr>
+        <p:cNvPr id="1" name=""/>
+        <p:cNvGrpSpPr/>
+        <p:nvPr/>
+      </p:nvGrpSpPr>
+      <p:grpSpPr>
+        <a:xfrm>
+          <a:off x="0" y="0"/>
+          <a:ext cx="0" cy="0"/>
+          <a:chOff x="0" y="0"/>
+          <a:chExt cx="0" cy="0"/>
+        </a:xfrm>
+      </p:grpSpPr>
+      <p:sp>
+        <p:nvSpPr>
+          <p:cNvPr id="2" name="Slide Image Placeholder 1"/>
+          <p:cNvSpPr>
+            <a:spLocks noGrp="1" noRot="1" noChangeAspect="1"/>
+          </p:cNvSpPr>
+          <p:nvPr>
+            <p:ph type="sldImg"/>
+          </p:nvPr>
+        </p:nvSpPr>
+        <p:spPr/>
+      </p:sp>
+      <p:sp>
+        <p:nvSpPr>
+          <p:cNvPr id="3" name="Notes Placeholder 2"/>
+          <p:cNvSpPr>
+            <a:spLocks noGrp="1"/>
+          </p:cNvSpPr>
+          <p:nvPr>
+            <p:ph type="body" idx="1"/>
+          </p:nvPr>
+        </p:nvSpPr>
+        <p:spPr/>
+        <p:txBody>
+          <a:bodyPr/>
+          <a:lstStyle/>
+          <a:p>
+            <a:pPr marL="171450" marR="0" lvl="0" indent="-171450" algn="l" defTabSz="914400" rtl="0" eaLnBrk="1" fontAlgn="auto" latinLnBrk="0" hangingPunct="1">
+              <a:lnSpc>
+                <a:spcPct val="100000"/>
+              </a:lnSpc>
+              <a:spcBef>
+                <a:spcPts val="0"/>
+              </a:spcBef>
+              <a:spcAft>
+                <a:spcPts val="0"/>
+              </a:spcAft>
+              <a:buClrTx/>
+              <a:buSzTx/>
+              <a:buFontTx/>
+              <a:buChar char="-"/>
+              <a:tabLst/>
+              <a:defRPr/>
+            </a:pPr>
+            <a:r>
+              <a:rPr lang="en-US" b="1" dirty="0">
+                <a:solidFill>
+                  <a:schemeClr val="bg2">
+                    <a:lumMod val="25000"/>
+                  </a:schemeClr>
+                </a:solidFill>
+                <a:latin typeface="Arial Nova Light" panose="020B0304020202020204" pitchFamily="34" charset="0"/>
+              </a:rPr>
+              <a:t>Choosing between linear or polynomial regression: </a:t>
+            </a:r>
+            <a:r>
+              <a:rPr lang="en-US" dirty="0">
+                <a:solidFill>
+                  <a:schemeClr val="bg2">
+                    <a:lumMod val="25000"/>
+                  </a:schemeClr>
+                </a:solidFill>
+                <a:latin typeface="Arial Nova Light" panose="020B0304020202020204" pitchFamily="34" charset="0"/>
+              </a:rPr>
+              <a:t>why?</a:t>
+            </a:r>
+          </a:p>
+          <a:p>
+            <a:pPr marL="171450" marR="0" lvl="0" indent="-171450" algn="l" defTabSz="914400" rtl="0" eaLnBrk="1" fontAlgn="auto" latinLnBrk="0" hangingPunct="1">
+              <a:lnSpc>
+                <a:spcPct val="100000"/>
+              </a:lnSpc>
+              <a:spcBef>
+                <a:spcPts val="0"/>
+              </a:spcBef>
+              <a:spcAft>
+                <a:spcPts val="0"/>
+              </a:spcAft>
+              <a:buClrTx/>
+              <a:buSzTx/>
+              <a:buFontTx/>
+              <a:buChar char="-"/>
+              <a:tabLst/>
+              <a:defRPr/>
+            </a:pPr>
+            <a:r>
+              <a:rPr lang="en-US" b="1" dirty="0">
+                <a:solidFill>
+                  <a:schemeClr val="bg2">
+                    <a:lumMod val="25000"/>
+                  </a:schemeClr>
+                </a:solidFill>
+                <a:latin typeface="Arial Nova Light" panose="020B0304020202020204" pitchFamily="34" charset="0"/>
+              </a:rPr>
+              <a:t>Not all data is regressive</a:t>
+            </a:r>
+            <a:r>
+              <a:rPr lang="en-US" dirty="0">
+                <a:solidFill>
+                  <a:schemeClr val="bg2">
+                    <a:lumMod val="25000"/>
+                  </a:schemeClr>
+                </a:solidFill>
+                <a:latin typeface="Arial Nova Light" panose="020B0304020202020204" pitchFamily="34" charset="0"/>
+              </a:rPr>
+              <a:t>: Why?</a:t>
+            </a:r>
+          </a:p>
+          <a:p>
+            <a:pPr marL="171450" marR="0" lvl="0" indent="-171450" algn="l" defTabSz="914400" rtl="0" eaLnBrk="1" fontAlgn="auto" latinLnBrk="0" hangingPunct="1">
+              <a:lnSpc>
+                <a:spcPct val="100000"/>
+              </a:lnSpc>
+              <a:spcBef>
+                <a:spcPts val="0"/>
+              </a:spcBef>
+              <a:spcAft>
+                <a:spcPts val="0"/>
+              </a:spcAft>
+              <a:buClrTx/>
+              <a:buSzTx/>
+              <a:buFontTx/>
+              <a:buChar char="-"/>
+              <a:tabLst/>
+              <a:defRPr/>
+            </a:pPr>
+            <a:r>
+              <a:rPr lang="en-US" b="1" dirty="0">
+                <a:solidFill>
+                  <a:schemeClr val="bg2">
+                    <a:lumMod val="25000"/>
+                  </a:schemeClr>
+                </a:solidFill>
+                <a:latin typeface="Arial Nova Light" panose="020B0304020202020204" pitchFamily="34" charset="0"/>
+              </a:rPr>
+              <a:t>Evaluating modeling scores: </a:t>
+            </a:r>
+            <a:r>
+              <a:rPr lang="en-US" b="0" dirty="0">
+                <a:solidFill>
+                  <a:schemeClr val="bg2">
+                    <a:lumMod val="25000"/>
+                  </a:schemeClr>
+                </a:solidFill>
+                <a:latin typeface="Arial Nova Light" panose="020B0304020202020204" pitchFamily="34" charset="0"/>
+              </a:rPr>
+              <a:t>why? What values we got  </a:t>
+            </a:r>
+            <a:r>
+              <a:rPr lang="en-US" b="0" dirty="0">
+                <a:solidFill>
+                  <a:srgbClr val="FF0000"/>
+                </a:solidFill>
+                <a:latin typeface="Arial Nova Light" panose="020B0304020202020204" pitchFamily="34" charset="0"/>
+              </a:rPr>
+              <a:t>------</a:t>
+            </a:r>
+            <a:r>
+              <a:rPr lang="en-US" b="0" dirty="0">
+                <a:solidFill>
+                  <a:srgbClr val="FF0000"/>
+                </a:solidFill>
+                <a:latin typeface="Arial Nova Light" panose="020B0304020202020204" pitchFamily="34" charset="0"/>
+                <a:sym typeface="Wingdings" panose="05000000000000000000" pitchFamily="2" charset="2"/>
+              </a:rPr>
+              <a:t> add a print screen?</a:t>
+            </a:r>
+            <a:endParaRPr lang="en-US" b="1" dirty="0">
+              <a:solidFill>
+                <a:srgbClr val="FF0000"/>
+              </a:solidFill>
+              <a:latin typeface="Arial Nova Light" panose="020B0304020202020204" pitchFamily="34" charset="0"/>
+            </a:endParaRPr>
+          </a:p>
+          <a:p>
+            <a:pPr marL="171450" marR="0" lvl="0" indent="-171450" algn="l" defTabSz="914400" rtl="0" eaLnBrk="1" fontAlgn="auto" latinLnBrk="0" hangingPunct="1">
+              <a:lnSpc>
+                <a:spcPct val="100000"/>
+              </a:lnSpc>
+              <a:spcBef>
+                <a:spcPts val="0"/>
+              </a:spcBef>
+              <a:spcAft>
+                <a:spcPts val="0"/>
+              </a:spcAft>
+              <a:buClrTx/>
+              <a:buSzTx/>
+              <a:buFontTx/>
+              <a:buChar char="-"/>
+              <a:tabLst/>
+              <a:defRPr/>
+            </a:pPr>
+            <a:r>
+              <a:rPr lang="en-US" b="1" dirty="0">
+                <a:solidFill>
+                  <a:schemeClr val="bg2">
+                    <a:lumMod val="25000"/>
+                  </a:schemeClr>
+                </a:solidFill>
+                <a:latin typeface="Arial Nova Light" panose="020B0304020202020204" pitchFamily="34" charset="0"/>
+              </a:rPr>
+              <a:t>Our features: bedrooms and area </a:t>
+            </a:r>
+            <a:r>
+              <a:rPr lang="en-US" sz="1200" b="0" dirty="0">
+                <a:solidFill>
+                  <a:schemeClr val="accent6">
+                    <a:lumMod val="50000"/>
+                  </a:schemeClr>
+                </a:solidFill>
+                <a:latin typeface="Arial Nova Light" panose="020B0304020202020204" pitchFamily="34" charset="0"/>
+              </a:rPr>
+              <a:t>----</a:t>
+            </a:r>
+            <a:r>
+              <a:rPr lang="en-US" sz="1200" b="0" dirty="0">
+                <a:solidFill>
+                  <a:schemeClr val="accent6">
+                    <a:lumMod val="50000"/>
+                  </a:schemeClr>
+                </a:solidFill>
+                <a:latin typeface="Arial Nova Light" panose="020B0304020202020204" pitchFamily="34" charset="0"/>
+                <a:sym typeface="Wingdings" panose="05000000000000000000" pitchFamily="2" charset="2"/>
+              </a:rPr>
+              <a:t> discussed in the next slide with </a:t>
+            </a:r>
+            <a:r>
+              <a:rPr lang="en-US" sz="1200" b="0" dirty="0" err="1">
+                <a:solidFill>
+                  <a:schemeClr val="accent6">
+                    <a:lumMod val="50000"/>
+                  </a:schemeClr>
+                </a:solidFill>
+                <a:latin typeface="Arial Nova Light" panose="020B0304020202020204" pitchFamily="34" charset="0"/>
+                <a:sym typeface="Wingdings" panose="05000000000000000000" pitchFamily="2" charset="2"/>
+              </a:rPr>
+              <a:t>ploting</a:t>
+            </a:r>
+            <a:r>
+              <a:rPr lang="en-US" sz="1200" b="0" dirty="0">
+                <a:solidFill>
+                  <a:schemeClr val="accent6">
+                    <a:lumMod val="50000"/>
+                  </a:schemeClr>
+                </a:solidFill>
+                <a:latin typeface="Arial Nova Light" panose="020B0304020202020204" pitchFamily="34" charset="0"/>
+                <a:sym typeface="Wingdings" panose="05000000000000000000" pitchFamily="2" charset="2"/>
+              </a:rPr>
+              <a:t> </a:t>
+            </a:r>
+            <a:endParaRPr lang="en-US" dirty="0">
+              <a:solidFill>
+                <a:schemeClr val="bg2">
+                  <a:lumMod val="25000"/>
+                </a:schemeClr>
+              </a:solidFill>
+              <a:latin typeface="Arial Nova Light" panose="020B0304020202020204" pitchFamily="34" charset="0"/>
+            </a:endParaRPr>
+          </a:p>
+          <a:p>
+            <a:pPr marL="171450" marR="0" lvl="0" indent="-171450" algn="l" defTabSz="914400" rtl="0" eaLnBrk="1" fontAlgn="auto" latinLnBrk="0" hangingPunct="1">
+              <a:lnSpc>
+                <a:spcPct val="100000"/>
+              </a:lnSpc>
+              <a:spcBef>
+                <a:spcPts val="0"/>
+              </a:spcBef>
+              <a:spcAft>
+                <a:spcPts val="0"/>
+              </a:spcAft>
+              <a:buClrTx/>
+              <a:buSzTx/>
+              <a:buFontTx/>
+              <a:buChar char="-"/>
+              <a:tabLst/>
+              <a:defRPr/>
+            </a:pPr>
+            <a:endParaRPr lang="en-US" dirty="0">
+              <a:solidFill>
+                <a:schemeClr val="bg2">
+                  <a:lumMod val="25000"/>
+                </a:schemeClr>
+              </a:solidFill>
+              <a:latin typeface="Arial Nova Light" panose="020B0304020202020204" pitchFamily="34" charset="0"/>
+            </a:endParaRPr>
+          </a:p>
+          <a:p>
+            <a:pPr marL="0" marR="0" lvl="0" indent="0" algn="l" defTabSz="914400" rtl="0" eaLnBrk="1" fontAlgn="auto" latinLnBrk="0" hangingPunct="1">
+              <a:lnSpc>
+                <a:spcPct val="100000"/>
+              </a:lnSpc>
+              <a:spcBef>
+                <a:spcPts val="0"/>
+              </a:spcBef>
+              <a:spcAft>
+                <a:spcPts val="0"/>
+              </a:spcAft>
+              <a:buClrTx/>
+              <a:buSzTx/>
+              <a:buFontTx/>
+              <a:buNone/>
+              <a:tabLst/>
+              <a:defRPr/>
+            </a:pPr>
+            <a:endParaRPr lang="en-US" dirty="0">
+              <a:solidFill>
+                <a:schemeClr val="bg2">
+                  <a:lumMod val="25000"/>
+                </a:schemeClr>
+              </a:solidFill>
+              <a:latin typeface="Arial Nova Light" panose="020B0304020202020204" pitchFamily="34" charset="0"/>
+            </a:endParaRPr>
+          </a:p>
+          <a:p>
+            <a:endParaRPr lang="en-BE" dirty="0"/>
+          </a:p>
+        </p:txBody>
+      </p:sp>
+      <p:sp>
+        <p:nvSpPr>
+          <p:cNvPr id="4" name="Slide Number Placeholder 3"/>
+          <p:cNvSpPr>
+            <a:spLocks noGrp="1"/>
+          </p:cNvSpPr>
+          <p:nvPr>
+            <p:ph type="sldNum" sz="quarter" idx="5"/>
+          </p:nvPr>
+        </p:nvSpPr>
+        <p:spPr/>
+        <p:txBody>
+          <a:bodyPr/>
+          <a:lstStyle/>
+          <a:p>
+            <a:fld id="{35FC46E8-9FC8-4688-8257-D5F93C4B6689}" type="slidenum">
+              <a:rPr lang="en-BE" smtClean="0"/>
+              <a:t>8</a:t>
+            </a:fld>
+            <a:endParaRPr lang="en-BE"/>
+          </a:p>
+        </p:txBody>
+      </p:sp>
+    </p:spTree>
+    <p:extLst>
+      <p:ext uri="{BB962C8B-B14F-4D97-AF65-F5344CB8AC3E}">
+        <p14:creationId xmlns:p14="http://schemas.microsoft.com/office/powerpoint/2010/main" val="995261911"/>
+      </p:ext>
+    </p:extLst>
+  </p:cSld>
+  <p:clrMapOvr>
+    <a:masterClrMapping/>
+  </p:clrMapOvr>
+</p:notes>
+</file>
+
+<file path=ppt/notesSlides/notesSlide7.xml><?xml version="1.0" encoding="utf-8"?>
+<p:notes xmlns:a="http://schemas.openxmlformats.org/drawingml/2006/main" xmlns:r="http://schemas.openxmlformats.org/officeDocument/2006/relationships" xmlns:p="http://schemas.openxmlformats.org/presentationml/2006/main">
+  <p:cSld>
+    <p:spTree>
+      <p:nvGrpSpPr>
+        <p:cNvPr id="1" name=""/>
+        <p:cNvGrpSpPr/>
+        <p:nvPr/>
+      </p:nvGrpSpPr>
+      <p:grpSpPr>
+        <a:xfrm>
+          <a:off x="0" y="0"/>
+          <a:ext cx="0" cy="0"/>
+          <a:chOff x="0" y="0"/>
+          <a:chExt cx="0" cy="0"/>
+        </a:xfrm>
+      </p:grpSpPr>
+      <p:sp>
+        <p:nvSpPr>
+          <p:cNvPr id="2" name="Slide Image Placeholder 1"/>
+          <p:cNvSpPr>
+            <a:spLocks noGrp="1" noRot="1" noChangeAspect="1"/>
+          </p:cNvSpPr>
+          <p:nvPr>
+            <p:ph type="sldImg"/>
+          </p:nvPr>
+        </p:nvSpPr>
+        <p:spPr/>
+      </p:sp>
+      <p:sp>
+        <p:nvSpPr>
+          <p:cNvPr id="3" name="Notes Placeholder 2"/>
+          <p:cNvSpPr>
+            <a:spLocks noGrp="1"/>
+          </p:cNvSpPr>
+          <p:nvPr>
+            <p:ph type="body" idx="1"/>
+          </p:nvPr>
+        </p:nvSpPr>
+        <p:spPr/>
+        <p:txBody>
+          <a:bodyPr/>
+          <a:lstStyle/>
+          <a:p>
+            <a:pPr marL="171450" marR="0" lvl="0" indent="-171450" algn="l" defTabSz="914400" rtl="0" eaLnBrk="1" fontAlgn="auto" latinLnBrk="0" hangingPunct="1">
+              <a:lnSpc>
+                <a:spcPct val="100000"/>
+              </a:lnSpc>
+              <a:spcBef>
+                <a:spcPts val="0"/>
+              </a:spcBef>
+              <a:spcAft>
+                <a:spcPts val="0"/>
+              </a:spcAft>
+              <a:buClrTx/>
+              <a:buSzTx/>
+              <a:buFontTx/>
+              <a:buChar char="-"/>
+              <a:tabLst/>
+              <a:defRPr/>
+            </a:pPr>
+            <a:r>
+              <a:rPr lang="en-US" b="1" dirty="0">
+                <a:solidFill>
+                  <a:schemeClr val="bg2">
+                    <a:lumMod val="25000"/>
+                  </a:schemeClr>
+                </a:solidFill>
+                <a:latin typeface="Arial Nova Light" panose="020B0304020202020204" pitchFamily="34" charset="0"/>
+              </a:rPr>
+              <a:t>Model chosen: </a:t>
+            </a:r>
+            <a:r>
+              <a:rPr lang="en-US" b="0" dirty="0">
+                <a:solidFill>
+                  <a:schemeClr val="bg2">
+                    <a:lumMod val="25000"/>
+                  </a:schemeClr>
+                </a:solidFill>
+                <a:latin typeface="Arial Nova Light" panose="020B0304020202020204" pitchFamily="34" charset="0"/>
+              </a:rPr>
+              <a:t>which?</a:t>
+            </a:r>
+          </a:p>
+          <a:p>
+            <a:pPr marL="171450" marR="0" lvl="0" indent="-171450" algn="l" defTabSz="914400" rtl="0" eaLnBrk="1" fontAlgn="auto" latinLnBrk="0" hangingPunct="1">
+              <a:lnSpc>
+                <a:spcPct val="100000"/>
+              </a:lnSpc>
+              <a:spcBef>
+                <a:spcPts val="0"/>
+              </a:spcBef>
+              <a:spcAft>
+                <a:spcPts val="0"/>
+              </a:spcAft>
+              <a:buClrTx/>
+              <a:buSzTx/>
+              <a:buFontTx/>
+              <a:buChar char="-"/>
+              <a:tabLst/>
+              <a:defRPr/>
+            </a:pPr>
+            <a:r>
+              <a:rPr lang="en-US" dirty="0">
+                <a:solidFill>
+                  <a:schemeClr val="bg2">
+                    <a:lumMod val="25000"/>
+                  </a:schemeClr>
+                </a:solidFill>
+                <a:latin typeface="Arial Nova Light" panose="020B0304020202020204" pitchFamily="34" charset="0"/>
+              </a:rPr>
+              <a:t>Scores from the model;</a:t>
+            </a:r>
+          </a:p>
+          <a:p>
+            <a:pPr marL="171450" marR="0" lvl="0" indent="-171450" algn="l" defTabSz="914400" rtl="0" eaLnBrk="1" fontAlgn="auto" latinLnBrk="0" hangingPunct="1">
+              <a:lnSpc>
+                <a:spcPct val="100000"/>
+              </a:lnSpc>
+              <a:spcBef>
+                <a:spcPts val="0"/>
+              </a:spcBef>
+              <a:spcAft>
+                <a:spcPts val="0"/>
+              </a:spcAft>
+              <a:buClrTx/>
+              <a:buSzTx/>
+              <a:buFontTx/>
+              <a:buChar char="-"/>
+              <a:tabLst/>
+              <a:defRPr/>
+            </a:pPr>
+            <a:r>
+              <a:rPr lang="en-US" dirty="0">
+                <a:solidFill>
+                  <a:schemeClr val="bg2">
+                    <a:lumMod val="25000"/>
+                  </a:schemeClr>
+                </a:solidFill>
+                <a:latin typeface="Arial Nova Light" panose="020B0304020202020204" pitchFamily="34" charset="0"/>
+              </a:rPr>
+              <a:t>Visualizations;</a:t>
+            </a:r>
+          </a:p>
+          <a:p>
+            <a:pPr marL="171450" marR="0" lvl="0" indent="-171450" algn="l" defTabSz="914400" rtl="0" eaLnBrk="1" fontAlgn="auto" latinLnBrk="0" hangingPunct="1">
+              <a:lnSpc>
+                <a:spcPct val="100000"/>
+              </a:lnSpc>
+              <a:spcBef>
+                <a:spcPts val="0"/>
+              </a:spcBef>
+              <a:spcAft>
+                <a:spcPts val="0"/>
+              </a:spcAft>
+              <a:buClrTx/>
+              <a:buSzTx/>
+              <a:buFontTx/>
+              <a:buChar char="-"/>
+              <a:tabLst/>
+              <a:defRPr/>
+            </a:pPr>
+            <a:r>
+              <a:rPr lang="en-US" dirty="0">
+                <a:solidFill>
+                  <a:schemeClr val="bg2">
+                    <a:lumMod val="25000"/>
+                  </a:schemeClr>
+                </a:solidFill>
+                <a:latin typeface="Arial Nova Light" panose="020B0304020202020204" pitchFamily="34" charset="0"/>
+              </a:rPr>
+              <a:t>Features considered.</a:t>
+            </a:r>
+          </a:p>
+          <a:p>
+            <a:pPr marL="171450" marR="0" lvl="0" indent="-171450" algn="l" defTabSz="914400" rtl="0" eaLnBrk="1" fontAlgn="auto" latinLnBrk="0" hangingPunct="1">
+              <a:lnSpc>
+                <a:spcPct val="100000"/>
+              </a:lnSpc>
+              <a:spcBef>
+                <a:spcPts val="0"/>
+              </a:spcBef>
+              <a:spcAft>
+                <a:spcPts val="0"/>
+              </a:spcAft>
+              <a:buClrTx/>
+              <a:buSzTx/>
+              <a:buFontTx/>
+              <a:buChar char="-"/>
+              <a:tabLst/>
+              <a:defRPr/>
+            </a:pPr>
+            <a:endParaRPr lang="en-US" dirty="0">
+              <a:solidFill>
+                <a:schemeClr val="bg2">
+                  <a:lumMod val="25000"/>
+                </a:schemeClr>
+              </a:solidFill>
+              <a:latin typeface="Arial Nova Light" panose="020B0304020202020204" pitchFamily="34" charset="0"/>
+            </a:endParaRPr>
+          </a:p>
+          <a:p>
+            <a:pPr marL="171450" marR="0" lvl="0" indent="-171450" algn="l" defTabSz="914400" rtl="0" eaLnBrk="1" fontAlgn="auto" latinLnBrk="0" hangingPunct="1">
+              <a:lnSpc>
+                <a:spcPct val="100000"/>
+              </a:lnSpc>
+              <a:spcBef>
+                <a:spcPts val="0"/>
+              </a:spcBef>
+              <a:spcAft>
+                <a:spcPts val="0"/>
+              </a:spcAft>
+              <a:buClrTx/>
+              <a:buSzTx/>
+              <a:buFontTx/>
+              <a:buChar char="-"/>
+              <a:tabLst/>
+              <a:defRPr/>
+            </a:pPr>
+            <a:endParaRPr lang="en-US" b="0" dirty="0">
+              <a:solidFill>
+                <a:schemeClr val="bg2">
+                  <a:lumMod val="25000"/>
+                </a:schemeClr>
+              </a:solidFill>
+              <a:latin typeface="Arial Nova Light" panose="020B0304020202020204" pitchFamily="34" charset="0"/>
+            </a:endParaRPr>
+          </a:p>
+          <a:p>
+            <a:pPr marL="171450" marR="0" lvl="0" indent="-171450" algn="l" defTabSz="914400" rtl="0" eaLnBrk="1" fontAlgn="auto" latinLnBrk="0" hangingPunct="1">
+              <a:lnSpc>
+                <a:spcPct val="100000"/>
+              </a:lnSpc>
+              <a:spcBef>
+                <a:spcPts val="0"/>
+              </a:spcBef>
+              <a:spcAft>
+                <a:spcPts val="0"/>
+              </a:spcAft>
+              <a:buClrTx/>
+              <a:buSzTx/>
+              <a:buFontTx/>
+              <a:buChar char="-"/>
+              <a:tabLst/>
+              <a:defRPr/>
+            </a:pPr>
+            <a:endParaRPr lang="en-US" b="0" dirty="0">
+              <a:solidFill>
+                <a:schemeClr val="bg2">
+                  <a:lumMod val="25000"/>
+                </a:schemeClr>
+              </a:solidFill>
+              <a:latin typeface="Arial Nova Light" panose="020B0304020202020204" pitchFamily="34" charset="0"/>
+            </a:endParaRPr>
+          </a:p>
+          <a:p>
+            <a:endParaRPr lang="en-BE" dirty="0"/>
+          </a:p>
+        </p:txBody>
+      </p:sp>
+      <p:sp>
+        <p:nvSpPr>
+          <p:cNvPr id="4" name="Slide Number Placeholder 3"/>
+          <p:cNvSpPr>
+            <a:spLocks noGrp="1"/>
+          </p:cNvSpPr>
+          <p:nvPr>
+            <p:ph type="sldNum" sz="quarter" idx="5"/>
+          </p:nvPr>
+        </p:nvSpPr>
+        <p:spPr/>
+        <p:txBody>
+          <a:bodyPr/>
+          <a:lstStyle/>
+          <a:p>
+            <a:fld id="{35FC46E8-9FC8-4688-8257-D5F93C4B6689}" type="slidenum">
+              <a:rPr lang="en-BE" smtClean="0"/>
+              <a:t>10</a:t>
+            </a:fld>
+            <a:endParaRPr lang="en-BE"/>
+          </a:p>
+        </p:txBody>
+      </p:sp>
+    </p:spTree>
+    <p:extLst>
+      <p:ext uri="{BB962C8B-B14F-4D97-AF65-F5344CB8AC3E}">
+        <p14:creationId xmlns:p14="http://schemas.microsoft.com/office/powerpoint/2010/main" val="141412311"/>
+      </p:ext>
+    </p:extLst>
+  </p:cSld>
+  <p:clrMapOvr>
+    <a:masterClrMapping/>
+  </p:clrMapOvr>
+</p:notes>
+</file>
+
 <file path=ppt/slideLayouts/slideLayout1.xml><?xml version="1.0" encoding="utf-8"?>
 <p:sldLayout xmlns:a="http://schemas.openxmlformats.org/drawingml/2006/main" xmlns:r="http://schemas.openxmlformats.org/officeDocument/2006/relationships" xmlns:p="http://schemas.openxmlformats.org/presentationml/2006/main" type="title" preserve="1">
   <p:cSld name="Title Slide">
@@ -9767,6 +11612,346 @@
           <p:cNvPr id="2" name="Title 1">
             <a:extLst>
               <a:ext uri="{FF2B5EF4-FFF2-40B4-BE49-F238E27FC236}">
+                <a16:creationId xmlns:a16="http://schemas.microsoft.com/office/drawing/2014/main" id="{70E153D5-B629-415D-96E3-4F17FAC27CEB}"/>
+              </a:ext>
+            </a:extLst>
+          </p:cNvPr>
+          <p:cNvSpPr>
+            <a:spLocks noGrp="1"/>
+          </p:cNvSpPr>
+          <p:nvPr>
+            <p:ph type="title"/>
+          </p:nvPr>
+        </p:nvSpPr>
+        <p:spPr/>
+        <p:txBody>
+          <a:bodyPr/>
+          <a:lstStyle/>
+          <a:p>
+            <a:pPr algn="ctr"/>
+            <a:r>
+              <a:rPr lang="en-US" b="1" dirty="0">
+                <a:solidFill>
+                  <a:schemeClr val="accent6">
+                    <a:lumMod val="50000"/>
+                  </a:schemeClr>
+                </a:solidFill>
+                <a:latin typeface="Arial Nova Light" panose="020B0304020202020204" pitchFamily="34" charset="0"/>
+              </a:rPr>
+              <a:t>What we could achieve</a:t>
+            </a:r>
+            <a:br>
+              <a:rPr lang="en-US" dirty="0"/>
+            </a:br>
+            <a:endParaRPr lang="en-BE" dirty="0"/>
+          </a:p>
+        </p:txBody>
+      </p:sp>
+      <p:sp>
+        <p:nvSpPr>
+          <p:cNvPr id="3" name="Content Placeholder 2">
+            <a:extLst>
+              <a:ext uri="{FF2B5EF4-FFF2-40B4-BE49-F238E27FC236}">
+                <a16:creationId xmlns:a16="http://schemas.microsoft.com/office/drawing/2014/main" id="{3C9468EB-D02D-44F7-B2C1-5D7BA83227A9}"/>
+              </a:ext>
+            </a:extLst>
+          </p:cNvPr>
+          <p:cNvSpPr>
+            <a:spLocks noGrp="1"/>
+          </p:cNvSpPr>
+          <p:nvPr>
+            <p:ph idx="1"/>
+          </p:nvPr>
+        </p:nvSpPr>
+        <p:spPr/>
+        <p:txBody>
+          <a:bodyPr/>
+          <a:lstStyle/>
+          <a:p>
+            <a:r>
+              <a:rPr lang="en-US" dirty="0">
+                <a:solidFill>
+                  <a:schemeClr val="bg2">
+                    <a:lumMod val="25000"/>
+                  </a:schemeClr>
+                </a:solidFill>
+                <a:latin typeface="Arial Nova Light" panose="020B0304020202020204" pitchFamily="34" charset="0"/>
+              </a:rPr>
+              <a:t>Model chosen;</a:t>
+            </a:r>
+          </a:p>
+          <a:p>
+            <a:endParaRPr lang="en-US" dirty="0">
+              <a:solidFill>
+                <a:schemeClr val="bg2">
+                  <a:lumMod val="25000"/>
+                </a:schemeClr>
+              </a:solidFill>
+              <a:latin typeface="Arial Nova Light" panose="020B0304020202020204" pitchFamily="34" charset="0"/>
+            </a:endParaRPr>
+          </a:p>
+          <a:p>
+            <a:r>
+              <a:rPr lang="en-US" dirty="0">
+                <a:solidFill>
+                  <a:schemeClr val="bg2">
+                    <a:lumMod val="25000"/>
+                  </a:schemeClr>
+                </a:solidFill>
+                <a:latin typeface="Arial Nova Light" panose="020B0304020202020204" pitchFamily="34" charset="0"/>
+              </a:rPr>
+              <a:t>Scores from the model;</a:t>
+            </a:r>
+          </a:p>
+          <a:p>
+            <a:endParaRPr lang="en-US" dirty="0">
+              <a:solidFill>
+                <a:schemeClr val="bg2">
+                  <a:lumMod val="25000"/>
+                </a:schemeClr>
+              </a:solidFill>
+              <a:latin typeface="Arial Nova Light" panose="020B0304020202020204" pitchFamily="34" charset="0"/>
+            </a:endParaRPr>
+          </a:p>
+          <a:p>
+            <a:r>
+              <a:rPr lang="en-US" dirty="0">
+                <a:solidFill>
+                  <a:schemeClr val="bg2">
+                    <a:lumMod val="25000"/>
+                  </a:schemeClr>
+                </a:solidFill>
+                <a:latin typeface="Arial Nova Light" panose="020B0304020202020204" pitchFamily="34" charset="0"/>
+              </a:rPr>
+              <a:t>Visualizations;</a:t>
+            </a:r>
+          </a:p>
+          <a:p>
+            <a:endParaRPr lang="en-US" dirty="0">
+              <a:solidFill>
+                <a:schemeClr val="bg2">
+                  <a:lumMod val="25000"/>
+                </a:schemeClr>
+              </a:solidFill>
+              <a:latin typeface="Arial Nova Light" panose="020B0304020202020204" pitchFamily="34" charset="0"/>
+            </a:endParaRPr>
+          </a:p>
+          <a:p>
+            <a:r>
+              <a:rPr lang="en-US" dirty="0">
+                <a:solidFill>
+                  <a:schemeClr val="bg2">
+                    <a:lumMod val="25000"/>
+                  </a:schemeClr>
+                </a:solidFill>
+                <a:latin typeface="Arial Nova Light" panose="020B0304020202020204" pitchFamily="34" charset="0"/>
+              </a:rPr>
+              <a:t>Features considered.</a:t>
+            </a:r>
+          </a:p>
+          <a:p>
+            <a:endParaRPr lang="en-US" dirty="0"/>
+          </a:p>
+          <a:p>
+            <a:endParaRPr lang="en-BE" dirty="0"/>
+          </a:p>
+        </p:txBody>
+      </p:sp>
+      <p:pic>
+        <p:nvPicPr>
+          <p:cNvPr id="5" name="Picture 4" descr="Logo&#10;&#10;Description automatically generated">
+            <a:extLst>
+              <a:ext uri="{FF2B5EF4-FFF2-40B4-BE49-F238E27FC236}">
+                <a16:creationId xmlns:a16="http://schemas.microsoft.com/office/drawing/2014/main" id="{DBB7E27E-5065-4DA1-A867-F595934FBC9E}"/>
+              </a:ext>
+            </a:extLst>
+          </p:cNvPr>
+          <p:cNvPicPr>
+            <a:picLocks noChangeAspect="1"/>
+          </p:cNvPicPr>
+          <p:nvPr/>
+        </p:nvPicPr>
+        <p:blipFill rotWithShape="1">
+          <a:blip r:embed="rId3">
+            <a:alphaModFix amt="36000"/>
+            <a:extLst>
+              <a:ext uri="{28A0092B-C50C-407E-A947-70E740481C1C}">
+                <a14:useLocalDpi xmlns:a14="http://schemas.microsoft.com/office/drawing/2010/main" val="0"/>
+              </a:ext>
+            </a:extLst>
+          </a:blip>
+          <a:srcRect l="4492"/>
+          <a:stretch/>
+        </p:blipFill>
+        <p:spPr>
+          <a:xfrm>
+            <a:off x="11324825" y="5950038"/>
+            <a:ext cx="867175" cy="907961"/>
+          </a:xfrm>
+          <a:prstGeom prst="rect">
+            <a:avLst/>
+          </a:prstGeom>
+        </p:spPr>
+      </p:pic>
+    </p:spTree>
+    <p:extLst>
+      <p:ext uri="{BB962C8B-B14F-4D97-AF65-F5344CB8AC3E}">
+        <p14:creationId xmlns:p14="http://schemas.microsoft.com/office/powerpoint/2010/main" val="1827201719"/>
+      </p:ext>
+    </p:extLst>
+  </p:cSld>
+  <p:clrMapOvr>
+    <a:masterClrMapping/>
+  </p:clrMapOvr>
+</p:sld>
+</file>
+
+<file path=ppt/slides/slide11.xml><?xml version="1.0" encoding="utf-8"?>
+<p:sld xmlns:a="http://schemas.openxmlformats.org/drawingml/2006/main" xmlns:r="http://schemas.openxmlformats.org/officeDocument/2006/relationships" xmlns:p="http://schemas.openxmlformats.org/presentationml/2006/main">
+  <p:cSld>
+    <p:bg>
+      <p:bgPr>
+        <a:solidFill>
+          <a:schemeClr val="accent2">
+            <a:lumMod val="20000"/>
+            <a:lumOff val="80000"/>
+          </a:schemeClr>
+        </a:solidFill>
+        <a:effectLst/>
+      </p:bgPr>
+    </p:bg>
+    <p:spTree>
+      <p:nvGrpSpPr>
+        <p:cNvPr id="1" name=""/>
+        <p:cNvGrpSpPr/>
+        <p:nvPr/>
+      </p:nvGrpSpPr>
+      <p:grpSpPr>
+        <a:xfrm>
+          <a:off x="0" y="0"/>
+          <a:ext cx="0" cy="0"/>
+          <a:chOff x="0" y="0"/>
+          <a:chExt cx="0" cy="0"/>
+        </a:xfrm>
+      </p:grpSpPr>
+      <p:sp>
+        <p:nvSpPr>
+          <p:cNvPr id="2" name="Title 1">
+            <a:extLst>
+              <a:ext uri="{FF2B5EF4-FFF2-40B4-BE49-F238E27FC236}">
+                <a16:creationId xmlns:a16="http://schemas.microsoft.com/office/drawing/2014/main" id="{AF50D00E-674D-4B5E-AA32-DDDFC7990DC6}"/>
+              </a:ext>
+            </a:extLst>
+          </p:cNvPr>
+          <p:cNvSpPr>
+            <a:spLocks noGrp="1"/>
+          </p:cNvSpPr>
+          <p:nvPr>
+            <p:ph type="title"/>
+          </p:nvPr>
+        </p:nvSpPr>
+        <p:spPr/>
+        <p:txBody>
+          <a:bodyPr/>
+          <a:lstStyle/>
+          <a:p>
+            <a:pPr algn="ctr"/>
+            <a:r>
+              <a:rPr lang="en-US" b="1" dirty="0">
+                <a:solidFill>
+                  <a:schemeClr val="accent6">
+                    <a:lumMod val="50000"/>
+                  </a:schemeClr>
+                </a:solidFill>
+                <a:latin typeface="Arial Nova Light" panose="020B0304020202020204" pitchFamily="34" charset="0"/>
+              </a:rPr>
+              <a:t>What we could achieve</a:t>
+            </a:r>
+            <a:endParaRPr lang="en-BE" dirty="0"/>
+          </a:p>
+        </p:txBody>
+      </p:sp>
+      <p:pic>
+        <p:nvPicPr>
+          <p:cNvPr id="5" name="Content Placeholder 4" descr="A picture containing chart&#10;&#10;Description automatically generated">
+            <a:extLst>
+              <a:ext uri="{FF2B5EF4-FFF2-40B4-BE49-F238E27FC236}">
+                <a16:creationId xmlns:a16="http://schemas.microsoft.com/office/drawing/2014/main" id="{D87079AC-BD23-45CE-A6C5-7656A0967A8C}"/>
+              </a:ext>
+            </a:extLst>
+          </p:cNvPr>
+          <p:cNvPicPr>
+            <a:picLocks noGrp="1" noChangeAspect="1"/>
+          </p:cNvPicPr>
+          <p:nvPr>
+            <p:ph idx="1"/>
+          </p:nvPr>
+        </p:nvPicPr>
+        <p:blipFill>
+          <a:blip r:embed="rId2">
+            <a:extLst>
+              <a:ext uri="{28A0092B-C50C-407E-A947-70E740481C1C}">
+                <a14:useLocalDpi xmlns:a14="http://schemas.microsoft.com/office/drawing/2010/main" val="0"/>
+              </a:ext>
+            </a:extLst>
+          </a:blip>
+          <a:stretch>
+            <a:fillRect/>
+          </a:stretch>
+        </p:blipFill>
+        <p:spPr>
+          <a:xfrm>
+            <a:off x="3026381" y="2128579"/>
+            <a:ext cx="5142857" cy="3657143"/>
+          </a:xfrm>
+        </p:spPr>
+      </p:pic>
+    </p:spTree>
+    <p:extLst>
+      <p:ext uri="{BB962C8B-B14F-4D97-AF65-F5344CB8AC3E}">
+        <p14:creationId xmlns:p14="http://schemas.microsoft.com/office/powerpoint/2010/main" val="4223200976"/>
+      </p:ext>
+    </p:extLst>
+  </p:cSld>
+  <p:clrMapOvr>
+    <a:masterClrMapping/>
+  </p:clrMapOvr>
+</p:sld>
+</file>
+
+<file path=ppt/slides/slide12.xml><?xml version="1.0" encoding="utf-8"?>
+<p:sld xmlns:a="http://schemas.openxmlformats.org/drawingml/2006/main" xmlns:r="http://schemas.openxmlformats.org/officeDocument/2006/relationships" xmlns:p="http://schemas.openxmlformats.org/presentationml/2006/main">
+  <p:cSld>
+    <p:bg>
+      <p:bgPr>
+        <a:solidFill>
+          <a:schemeClr val="accent2">
+            <a:lumMod val="20000"/>
+            <a:lumOff val="80000"/>
+          </a:schemeClr>
+        </a:solidFill>
+        <a:effectLst/>
+      </p:bgPr>
+    </p:bg>
+    <p:spTree>
+      <p:nvGrpSpPr>
+        <p:cNvPr id="1" name=""/>
+        <p:cNvGrpSpPr/>
+        <p:nvPr/>
+      </p:nvGrpSpPr>
+      <p:grpSpPr>
+        <a:xfrm>
+          <a:off x="0" y="0"/>
+          <a:ext cx="0" cy="0"/>
+          <a:chOff x="0" y="0"/>
+          <a:chExt cx="0" cy="0"/>
+        </a:xfrm>
+      </p:grpSpPr>
+      <p:sp>
+        <p:nvSpPr>
+          <p:cNvPr id="2" name="Title 1">
+            <a:extLst>
+              <a:ext uri="{FF2B5EF4-FFF2-40B4-BE49-F238E27FC236}">
                 <a16:creationId xmlns:a16="http://schemas.microsoft.com/office/drawing/2014/main" id="{8C4B9273-5701-46D3-97B0-A1B720490551}"/>
               </a:ext>
             </a:extLst>
@@ -9841,7 +12026,7 @@
                 </a:solidFill>
                 <a:latin typeface="Arial Nova Light" panose="020B0304020202020204" pitchFamily="34" charset="0"/>
               </a:rPr>
-              <a:t>Study different models for machine learning;</a:t>
+              <a:t>Further studying different models for machine learning;</a:t>
             </a:r>
           </a:p>
           <a:p>
@@ -9864,7 +12049,7 @@
                 </a:solidFill>
                 <a:latin typeface="Arial Nova Light" panose="020B0304020202020204" pitchFamily="34" charset="0"/>
               </a:rPr>
-              <a:t>Look for other solutions that can include houses location;</a:t>
+              <a:t>Look for other solutions that can include house location;</a:t>
             </a:r>
           </a:p>
           <a:p>
@@ -9941,7 +12126,7 @@
 </p:sld>
 </file>
 
-<file path=ppt/slides/slide11.xml><?xml version="1.0" encoding="utf-8"?>
+<file path=ppt/slides/slide13.xml><?xml version="1.0" encoding="utf-8"?>
 <p:sld xmlns:a="http://schemas.openxmlformats.org/drawingml/2006/main" xmlns:r="http://schemas.openxmlformats.org/officeDocument/2006/relationships" xmlns:p="http://schemas.openxmlformats.org/presentationml/2006/main">
   <p:cSld>
     <p:bg>
@@ -10983,7 +13168,7 @@
         </p:xfrm>
         <a:graphic>
           <a:graphicData uri="http://schemas.openxmlformats.org/drawingml/2006/diagram">
-            <dgm:relIds xmlns:dgm="http://schemas.openxmlformats.org/drawingml/2006/diagram" xmlns:r="http://schemas.openxmlformats.org/officeDocument/2006/relationships" r:dm="rId2" r:lo="rId3" r:qs="rId4" r:cs="rId5"/>
+            <dgm:relIds xmlns:dgm="http://schemas.openxmlformats.org/drawingml/2006/diagram" xmlns:r="http://schemas.openxmlformats.org/officeDocument/2006/relationships" r:dm="rId3" r:lo="rId4" r:qs="rId5" r:cs="rId6"/>
           </a:graphicData>
         </a:graphic>
       </p:graphicFrame>
@@ -11002,7 +13187,7 @@
           <p:nvPr/>
         </p:nvPicPr>
         <p:blipFill rotWithShape="1">
-          <a:blip r:embed="rId7">
+          <a:blip r:embed="rId8">
             <a:alphaModFix amt="36000"/>
             <a:extLst>
               <a:ext uri="{28A0092B-C50C-407E-A947-70E740481C1C}">
@@ -11202,7 +13387,7 @@
         </p:xfrm>
         <a:graphic>
           <a:graphicData uri="http://schemas.openxmlformats.org/drawingml/2006/diagram">
-            <dgm:relIds xmlns:dgm="http://schemas.openxmlformats.org/drawingml/2006/diagram" xmlns:r="http://schemas.openxmlformats.org/officeDocument/2006/relationships" r:dm="rId2" r:lo="rId3" r:qs="rId4" r:cs="rId5"/>
+            <dgm:relIds xmlns:dgm="http://schemas.openxmlformats.org/drawingml/2006/diagram" xmlns:r="http://schemas.openxmlformats.org/officeDocument/2006/relationships" r:dm="rId3" r:lo="rId4" r:qs="rId5" r:cs="rId6"/>
           </a:graphicData>
         </a:graphic>
       </p:graphicFrame>
@@ -11221,7 +13406,7 @@
           <p:nvPr/>
         </p:nvPicPr>
         <p:blipFill rotWithShape="1">
-          <a:blip r:embed="rId7">
+          <a:blip r:embed="rId8">
             <a:alphaModFix amt="36000"/>
             <a:extLst>
               <a:ext uri="{28A0092B-C50C-407E-A947-70E740481C1C}">
@@ -11487,7 +13672,7 @@
           <p:nvPr/>
         </p:nvPicPr>
         <p:blipFill rotWithShape="1">
-          <a:blip r:embed="rId2">
+          <a:blip r:embed="rId3">
             <a:alphaModFix amt="36000"/>
             <a:extLst>
               <a:ext uri="{28A0092B-C50C-407E-A947-70E740481C1C}">
@@ -11615,7 +13800,7 @@
           </p:nvPr>
         </p:nvPicPr>
         <p:blipFill>
-          <a:blip r:embed="rId2">
+          <a:blip r:embed="rId3">
             <a:extLst>
               <a:ext uri="{28A0092B-C50C-407E-A947-70E740481C1C}">
                 <a14:useLocalDpi xmlns:a14="http://schemas.microsoft.com/office/drawing/2010/main" val="0"/>
@@ -12320,7 +14505,7 @@
           <p:nvPr/>
         </p:nvPicPr>
         <p:blipFill rotWithShape="1">
-          <a:blip r:embed="rId3">
+          <a:blip r:embed="rId4">
             <a:alphaModFix amt="36000"/>
             <a:extLst>
               <a:ext uri="{28A0092B-C50C-407E-A947-70E740481C1C}">
@@ -12500,7 +14685,7 @@
                 </a:solidFill>
                 <a:latin typeface="Arial Nova Light" panose="020B0304020202020204" pitchFamily="34" charset="0"/>
               </a:rPr>
-              <a:t>Standardization.</a:t>
+              <a:t>Standardization;</a:t>
             </a:r>
           </a:p>
           <a:p>
@@ -12514,6 +14699,45 @@
             </a:endParaRPr>
           </a:p>
           <a:p>
+            <a:r>
+              <a:rPr lang="en-US" dirty="0">
+                <a:solidFill>
+                  <a:schemeClr val="accent6">
+                    <a:lumMod val="50000"/>
+                  </a:schemeClr>
+                </a:solidFill>
+                <a:latin typeface="Arial Nova Light" panose="020B0304020202020204" pitchFamily="34" charset="0"/>
+              </a:rPr>
+              <a:t>One Hot encoding is depreciated in </a:t>
+            </a:r>
+          </a:p>
+          <a:p>
+            <a:pPr marL="0" indent="0">
+              <a:buNone/>
+            </a:pPr>
+            <a:r>
+              <a:rPr lang="en-US" dirty="0">
+                <a:solidFill>
+                  <a:schemeClr val="accent6">
+                    <a:lumMod val="50000"/>
+                  </a:schemeClr>
+                </a:solidFill>
+                <a:latin typeface="Arial Nova Light" panose="020B0304020202020204" pitchFamily="34" charset="0"/>
+              </a:rPr>
+              <a:t>   linear regression.</a:t>
+            </a:r>
+          </a:p>
+          <a:p>
+            <a:endParaRPr lang="en-US" dirty="0">
+              <a:solidFill>
+                <a:schemeClr val="accent6">
+                  <a:lumMod val="50000"/>
+                </a:schemeClr>
+              </a:solidFill>
+              <a:latin typeface="Arial Nova Light" panose="020B0304020202020204" pitchFamily="34" charset="0"/>
+            </a:endParaRPr>
+          </a:p>
+          <a:p>
             <a:endParaRPr lang="en-BE" dirty="0"/>
           </a:p>
         </p:txBody>
@@ -12533,7 +14757,7 @@
           <p:nvPr/>
         </p:nvPicPr>
         <p:blipFill rotWithShape="1">
-          <a:blip r:embed="rId2"/>
+          <a:blip r:embed="rId3"/>
           <a:srcRect t="7524" r="3972" b="7234"/>
           <a:stretch/>
         </p:blipFill>
@@ -12562,7 +14786,7 @@
           <p:nvPr/>
         </p:nvPicPr>
         <p:blipFill>
-          <a:blip r:embed="rId3"/>
+          <a:blip r:embed="rId4"/>
           <a:stretch>
             <a:fillRect/>
           </a:stretch>
@@ -12684,7 +14908,7 @@
           <p:nvPr/>
         </p:nvPicPr>
         <p:blipFill rotWithShape="1">
-          <a:blip r:embed="rId4">
+          <a:blip r:embed="rId5">
             <a:alphaModFix amt="36000"/>
             <a:extLst>
               <a:ext uri="{28A0092B-C50C-407E-A947-70E740481C1C}">
@@ -12815,28 +15039,6 @@
           <a:bodyPr/>
           <a:lstStyle/>
           <a:p>
-            <a:r>
-              <a:rPr lang="en-US" dirty="0" err="1">
-                <a:solidFill>
-                  <a:schemeClr val="bg2">
-                    <a:lumMod val="25000"/>
-                  </a:schemeClr>
-                </a:solidFill>
-                <a:latin typeface="Arial Nova Light" panose="020B0304020202020204" pitchFamily="34" charset="0"/>
-              </a:rPr>
-              <a:t>Includ</a:t>
-            </a:r>
-            <a:r>
-              <a:rPr lang="en-US" dirty="0">
-                <a:solidFill>
-                  <a:schemeClr val="bg2">
-                    <a:lumMod val="25000"/>
-                  </a:schemeClr>
-                </a:solidFill>
-                <a:latin typeface="Arial Nova Light" panose="020B0304020202020204" pitchFamily="34" charset="0"/>
-              </a:rPr>
-              <a:t> different things in the data set from before</a:t>
-            </a:r>
             <a:endParaRPr lang="en-BE" dirty="0">
               <a:solidFill>
                 <a:schemeClr val="bg2">
@@ -13035,7 +15237,7 @@
                 </a:solidFill>
                 <a:latin typeface="Arial Nova Light" panose="020B0304020202020204" pitchFamily="34" charset="0"/>
               </a:rPr>
-              <a:t>Not all is regressive;</a:t>
+              <a:t>Not all data is regressive;</a:t>
             </a:r>
           </a:p>
           <a:p>
@@ -13081,7 +15283,7 @@
                 </a:solidFill>
                 <a:latin typeface="Arial Nova Light" panose="020B0304020202020204" pitchFamily="34" charset="0"/>
               </a:rPr>
-              <a:t>Understanding low model scores.</a:t>
+              <a:t>Our features: bedrooms and area.</a:t>
             </a:r>
           </a:p>
           <a:p>
@@ -13146,7 +15348,7 @@
           <p:nvPr/>
         </p:nvPicPr>
         <p:blipFill rotWithShape="1">
-          <a:blip r:embed="rId2">
+          <a:blip r:embed="rId3">
             <a:alphaModFix amt="36000"/>
             <a:extLst>
               <a:ext uri="{28A0092B-C50C-407E-A947-70E740481C1C}">
@@ -13213,7 +15415,7 @@
           <p:cNvPr id="2" name="Title 1">
             <a:extLst>
               <a:ext uri="{FF2B5EF4-FFF2-40B4-BE49-F238E27FC236}">
-                <a16:creationId xmlns:a16="http://schemas.microsoft.com/office/drawing/2014/main" id="{70E153D5-B629-415D-96E3-4F17FAC27CEB}"/>
+                <a16:creationId xmlns:a16="http://schemas.microsoft.com/office/drawing/2014/main" id="{15F57E00-3AE1-4DB3-9EB9-CE7692CA65AF}"/>
               </a:ext>
             </a:extLst>
           </p:cNvPr>
@@ -13229,9 +15431,8 @@
           <a:bodyPr/>
           <a:lstStyle/>
           <a:p>
-            <a:pPr algn="ctr"/>
             <a:r>
-              <a:rPr lang="en-US" b="1" dirty="0">
+              <a:rPr lang="en-US" sz="4400" b="1" dirty="0">
                 <a:solidFill>
                   <a:schemeClr val="accent6">
                     <a:lumMod val="50000"/>
@@ -13239,131 +15440,53 @@
                 </a:solidFill>
                 <a:latin typeface="Arial Nova Light" panose="020B0304020202020204" pitchFamily="34" charset="0"/>
               </a:rPr>
-              <a:t>What we could achieve</a:t>
+              <a:t>    Defining the best regression type</a:t>
             </a:r>
-            <a:br>
-              <a:rPr lang="en-US" dirty="0"/>
-            </a:br>
-            <a:endParaRPr lang="en-BE" dirty="0"/>
-          </a:p>
-        </p:txBody>
-      </p:sp>
-      <p:sp>
-        <p:nvSpPr>
-          <p:cNvPr id="3" name="Content Placeholder 2">
-            <a:extLst>
-              <a:ext uri="{FF2B5EF4-FFF2-40B4-BE49-F238E27FC236}">
-                <a16:creationId xmlns:a16="http://schemas.microsoft.com/office/drawing/2014/main" id="{3C9468EB-D02D-44F7-B2C1-5D7BA83227A9}"/>
-              </a:ext>
-            </a:extLst>
-          </p:cNvPr>
-          <p:cNvSpPr>
-            <a:spLocks noGrp="1"/>
-          </p:cNvSpPr>
-          <p:nvPr>
-            <p:ph idx="1"/>
-          </p:nvPr>
-        </p:nvSpPr>
-        <p:spPr/>
-        <p:txBody>
-          <a:bodyPr/>
-          <a:lstStyle/>
-          <a:p>
-            <a:r>
-              <a:rPr lang="en-US" dirty="0">
-                <a:solidFill>
-                  <a:schemeClr val="bg2">
-                    <a:lumMod val="25000"/>
-                  </a:schemeClr>
-                </a:solidFill>
-                <a:latin typeface="Arial Nova Light" panose="020B0304020202020204" pitchFamily="34" charset="0"/>
-              </a:rPr>
-              <a:t>Model chosen;</a:t>
-            </a:r>
-          </a:p>
-          <a:p>
-            <a:endParaRPr lang="en-US" dirty="0">
-              <a:solidFill>
-                <a:schemeClr val="bg2">
-                  <a:lumMod val="25000"/>
-                </a:schemeClr>
-              </a:solidFill>
-              <a:latin typeface="Arial Nova Light" panose="020B0304020202020204" pitchFamily="34" charset="0"/>
-            </a:endParaRPr>
-          </a:p>
-          <a:p>
-            <a:r>
-              <a:rPr lang="en-US" dirty="0">
-                <a:solidFill>
-                  <a:schemeClr val="bg2">
-                    <a:lumMod val="25000"/>
-                  </a:schemeClr>
-                </a:solidFill>
-                <a:latin typeface="Arial Nova Light" panose="020B0304020202020204" pitchFamily="34" charset="0"/>
-              </a:rPr>
-              <a:t>Scores from the model;</a:t>
-            </a:r>
-          </a:p>
-          <a:p>
-            <a:endParaRPr lang="en-US" dirty="0">
-              <a:solidFill>
-                <a:schemeClr val="bg2">
-                  <a:lumMod val="25000"/>
-                </a:schemeClr>
-              </a:solidFill>
-              <a:latin typeface="Arial Nova Light" panose="020B0304020202020204" pitchFamily="34" charset="0"/>
-            </a:endParaRPr>
-          </a:p>
-          <a:p>
-            <a:r>
-              <a:rPr lang="en-US" dirty="0">
-                <a:solidFill>
-                  <a:schemeClr val="bg2">
-                    <a:lumMod val="25000"/>
-                  </a:schemeClr>
-                </a:solidFill>
-                <a:latin typeface="Arial Nova Light" panose="020B0304020202020204" pitchFamily="34" charset="0"/>
-              </a:rPr>
-              <a:t>Visualizations;</a:t>
-            </a:r>
-          </a:p>
-          <a:p>
-            <a:endParaRPr lang="en-US" dirty="0">
-              <a:solidFill>
-                <a:schemeClr val="bg2">
-                  <a:lumMod val="25000"/>
-                </a:schemeClr>
-              </a:solidFill>
-              <a:latin typeface="Arial Nova Light" panose="020B0304020202020204" pitchFamily="34" charset="0"/>
-            </a:endParaRPr>
-          </a:p>
-          <a:p>
-            <a:r>
-              <a:rPr lang="en-US" dirty="0">
-                <a:solidFill>
-                  <a:schemeClr val="bg2">
-                    <a:lumMod val="25000"/>
-                  </a:schemeClr>
-                </a:solidFill>
-                <a:latin typeface="Arial Nova Light" panose="020B0304020202020204" pitchFamily="34" charset="0"/>
-              </a:rPr>
-              <a:t>Features considered.</a:t>
-            </a:r>
-          </a:p>
-          <a:p>
-            <a:endParaRPr lang="en-US" dirty="0"/>
-          </a:p>
-          <a:p>
             <a:endParaRPr lang="en-BE" dirty="0"/>
           </a:p>
         </p:txBody>
       </p:sp>
       <p:pic>
         <p:nvPicPr>
-          <p:cNvPr id="5" name="Picture 4" descr="Logo&#10;&#10;Description automatically generated">
+          <p:cNvPr id="5" name="Content Placeholder 4" descr="Chart, scatter chart&#10;&#10;Description automatically generated">
             <a:extLst>
               <a:ext uri="{FF2B5EF4-FFF2-40B4-BE49-F238E27FC236}">
-                <a16:creationId xmlns:a16="http://schemas.microsoft.com/office/drawing/2014/main" id="{DBB7E27E-5065-4DA1-A867-F595934FBC9E}"/>
+                <a16:creationId xmlns:a16="http://schemas.microsoft.com/office/drawing/2014/main" id="{547DD036-9EC3-4A8A-B982-934C5673DE86}"/>
+              </a:ext>
+            </a:extLst>
+          </p:cNvPr>
+          <p:cNvPicPr>
+            <a:picLocks noGrp="1" noChangeAspect="1"/>
+          </p:cNvPicPr>
+          <p:nvPr>
+            <p:ph idx="1"/>
+          </p:nvPr>
+        </p:nvPicPr>
+        <p:blipFill>
+          <a:blip r:embed="rId2">
+            <a:extLst>
+              <a:ext uri="{28A0092B-C50C-407E-A947-70E740481C1C}">
+                <a14:useLocalDpi xmlns:a14="http://schemas.microsoft.com/office/drawing/2010/main" val="0"/>
+              </a:ext>
+            </a:extLst>
+          </a:blip>
+          <a:stretch>
+            <a:fillRect/>
+          </a:stretch>
+        </p:blipFill>
+        <p:spPr>
+          <a:xfrm>
+            <a:off x="1067950" y="2125699"/>
+            <a:ext cx="4496499" cy="3651485"/>
+          </a:xfrm>
+        </p:spPr>
+      </p:pic>
+      <p:pic>
+        <p:nvPicPr>
+          <p:cNvPr id="7" name="Picture 6" descr="Chart, scatter chart&#10;&#10;Description automatically generated">
+            <a:extLst>
+              <a:ext uri="{FF2B5EF4-FFF2-40B4-BE49-F238E27FC236}">
+                <a16:creationId xmlns:a16="http://schemas.microsoft.com/office/drawing/2014/main" id="{92A69AED-566F-41A3-91CF-0103D04CA9F7}"/>
               </a:ext>
             </a:extLst>
           </p:cNvPr>
@@ -13372,22 +15495,22 @@
           </p:cNvPicPr>
           <p:nvPr/>
         </p:nvPicPr>
-        <p:blipFill rotWithShape="1">
-          <a:blip r:embed="rId2">
-            <a:alphaModFix amt="36000"/>
+        <p:blipFill>
+          <a:blip r:embed="rId3">
             <a:extLst>
               <a:ext uri="{28A0092B-C50C-407E-A947-70E740481C1C}">
                 <a14:useLocalDpi xmlns:a14="http://schemas.microsoft.com/office/drawing/2010/main" val="0"/>
               </a:ext>
             </a:extLst>
           </a:blip>
-          <a:srcRect l="4492"/>
-          <a:stretch/>
+          <a:stretch>
+            <a:fillRect/>
+          </a:stretch>
         </p:blipFill>
         <p:spPr>
           <a:xfrm>
-            <a:off x="11324825" y="5950038"/>
-            <a:ext cx="867175" cy="907961"/>
+            <a:off x="6204506" y="2125699"/>
+            <a:ext cx="4531417" cy="3679841"/>
           </a:xfrm>
           <a:prstGeom prst="rect">
             <a:avLst/>
@@ -13397,7 +15520,7 @@
     </p:spTree>
     <p:extLst>
       <p:ext uri="{BB962C8B-B14F-4D97-AF65-F5344CB8AC3E}">
-        <p14:creationId xmlns:p14="http://schemas.microsoft.com/office/powerpoint/2010/main" val="1827201719"/>
+        <p14:creationId xmlns:p14="http://schemas.microsoft.com/office/powerpoint/2010/main" val="4057490197"/>
       </p:ext>
     </p:extLst>
   </p:cSld>
@@ -13700,4 +15823,299 @@
     </a:ext>
   </a:extLst>
 </a:theme>
+</file>
+
+<file path=ppt/theme/theme2.xml><?xml version="1.0" encoding="utf-8"?>
+<a:theme xmlns:a="http://schemas.openxmlformats.org/drawingml/2006/main" name="Office Theme">
+  <a:themeElements>
+    <a:clrScheme name="Office">
+      <a:dk1>
+        <a:sysClr val="windowText" lastClr="000000"/>
+      </a:dk1>
+      <a:lt1>
+        <a:sysClr val="window" lastClr="FFFFFF"/>
+      </a:lt1>
+      <a:dk2>
+        <a:srgbClr val="44546A"/>
+      </a:dk2>
+      <a:lt2>
+        <a:srgbClr val="E7E6E6"/>
+      </a:lt2>
+      <a:accent1>
+        <a:srgbClr val="4472C4"/>
+      </a:accent1>
+      <a:accent2>
+        <a:srgbClr val="ED7D31"/>
+      </a:accent2>
+      <a:accent3>
+        <a:srgbClr val="A5A5A5"/>
+      </a:accent3>
+      <a:accent4>
+        <a:srgbClr val="FFC000"/>
+      </a:accent4>
+      <a:accent5>
+        <a:srgbClr val="5B9BD5"/>
+      </a:accent5>
+      <a:accent6>
+        <a:srgbClr val="70AD47"/>
+      </a:accent6>
+      <a:hlink>
+        <a:srgbClr val="0563C1"/>
+      </a:hlink>
+      <a:folHlink>
+        <a:srgbClr val="954F72"/>
+      </a:folHlink>
+    </a:clrScheme>
+    <a:fontScheme name="Office">
+      <a:majorFont>
+        <a:latin typeface="Calibri Light" panose="020F0302020204030204"/>
+        <a:ea typeface=""/>
+        <a:cs typeface=""/>
+        <a:font script="Jpan" typeface="游ゴシック Light"/>
+        <a:font script="Hang" typeface="맑은 고딕"/>
+        <a:font script="Hans" typeface="等线 Light"/>
+        <a:font script="Hant" typeface="新細明體"/>
+        <a:font script="Arab" typeface="Times New Roman"/>
+        <a:font script="Hebr" typeface="Times New Roman"/>
+        <a:font script="Thai" typeface="Angsana New"/>
+        <a:font script="Ethi" typeface="Nyala"/>
+        <a:font script="Beng" typeface="Vrinda"/>
+        <a:font script="Gujr" typeface="Shruti"/>
+        <a:font script="Khmr" typeface="MoolBoran"/>
+        <a:font script="Knda" typeface="Tunga"/>
+        <a:font script="Guru" typeface="Raavi"/>
+        <a:font script="Cans" typeface="Euphemia"/>
+        <a:font script="Cher" typeface="Plantagenet Cherokee"/>
+        <a:font script="Yiii" typeface="Microsoft Yi Baiti"/>
+        <a:font script="Tibt" typeface="Microsoft Himalaya"/>
+        <a:font script="Thaa" typeface="MV Boli"/>
+        <a:font script="Deva" typeface="Mangal"/>
+        <a:font script="Telu" typeface="Gautami"/>
+        <a:font script="Taml" typeface="Latha"/>
+        <a:font script="Syrc" typeface="Estrangelo Edessa"/>
+        <a:font script="Orya" typeface="Kalinga"/>
+        <a:font script="Mlym" typeface="Kartika"/>
+        <a:font script="Laoo" typeface="DokChampa"/>
+        <a:font script="Sinh" typeface="Iskoola Pota"/>
+        <a:font script="Mong" typeface="Mongolian Baiti"/>
+        <a:font script="Viet" typeface="Times New Roman"/>
+        <a:font script="Uigh" typeface="Microsoft Uighur"/>
+        <a:font script="Geor" typeface="Sylfaen"/>
+        <a:font script="Armn" typeface="Arial"/>
+        <a:font script="Bugi" typeface="Leelawadee UI"/>
+        <a:font script="Bopo" typeface="Microsoft JhengHei"/>
+        <a:font script="Java" typeface="Javanese Text"/>
+        <a:font script="Lisu" typeface="Segoe UI"/>
+        <a:font script="Mymr" typeface="Myanmar Text"/>
+        <a:font script="Nkoo" typeface="Ebrima"/>
+        <a:font script="Olck" typeface="Nirmala UI"/>
+        <a:font script="Osma" typeface="Ebrima"/>
+        <a:font script="Phag" typeface="Phagspa"/>
+        <a:font script="Syrn" typeface="Estrangelo Edessa"/>
+        <a:font script="Syrj" typeface="Estrangelo Edessa"/>
+        <a:font script="Syre" typeface="Estrangelo Edessa"/>
+        <a:font script="Sora" typeface="Nirmala UI"/>
+        <a:font script="Tale" typeface="Microsoft Tai Le"/>
+        <a:font script="Talu" typeface="Microsoft New Tai Lue"/>
+        <a:font script="Tfng" typeface="Ebrima"/>
+      </a:majorFont>
+      <a:minorFont>
+        <a:latin typeface="Calibri" panose="020F0502020204030204"/>
+        <a:ea typeface=""/>
+        <a:cs typeface=""/>
+        <a:font script="Jpan" typeface="游ゴシック"/>
+        <a:font script="Hang" typeface="맑은 고딕"/>
+        <a:font script="Hans" typeface="等线"/>
+        <a:font script="Hant" typeface="新細明體"/>
+        <a:font script="Arab" typeface="Arial"/>
+        <a:font script="Hebr" typeface="Arial"/>
+        <a:font script="Thai" typeface="Cordia New"/>
+        <a:font script="Ethi" typeface="Nyala"/>
+        <a:font script="Beng" typeface="Vrinda"/>
+        <a:font script="Gujr" typeface="Shruti"/>
+        <a:font script="Khmr" typeface="DaunPenh"/>
+        <a:font script="Knda" typeface="Tunga"/>
+        <a:font script="Guru" typeface="Raavi"/>
+        <a:font script="Cans" typeface="Euphemia"/>
+        <a:font script="Cher" typeface="Plantagenet Cherokee"/>
+        <a:font script="Yiii" typeface="Microsoft Yi Baiti"/>
+        <a:font script="Tibt" typeface="Microsoft Himalaya"/>
+        <a:font script="Thaa" typeface="MV Boli"/>
+        <a:font script="Deva" typeface="Mangal"/>
+        <a:font script="Telu" typeface="Gautami"/>
+        <a:font script="Taml" typeface="Latha"/>
+        <a:font script="Syrc" typeface="Estrangelo Edessa"/>
+        <a:font script="Orya" typeface="Kalinga"/>
+        <a:font script="Mlym" typeface="Kartika"/>
+        <a:font script="Laoo" typeface="DokChampa"/>
+        <a:font script="Sinh" typeface="Iskoola Pota"/>
+        <a:font script="Mong" typeface="Mongolian Baiti"/>
+        <a:font script="Viet" typeface="Arial"/>
+        <a:font script="Uigh" typeface="Microsoft Uighur"/>
+        <a:font script="Geor" typeface="Sylfaen"/>
+        <a:font script="Armn" typeface="Arial"/>
+        <a:font script="Bugi" typeface="Leelawadee UI"/>
+        <a:font script="Bopo" typeface="Microsoft JhengHei"/>
+        <a:font script="Java" typeface="Javanese Text"/>
+        <a:font script="Lisu" typeface="Segoe UI"/>
+        <a:font script="Mymr" typeface="Myanmar Text"/>
+        <a:font script="Nkoo" typeface="Ebrima"/>
+        <a:font script="Olck" typeface="Nirmala UI"/>
+        <a:font script="Osma" typeface="Ebrima"/>
+        <a:font script="Phag" typeface="Phagspa"/>
+        <a:font script="Syrn" typeface="Estrangelo Edessa"/>
+        <a:font script="Syrj" typeface="Estrangelo Edessa"/>
+        <a:font script="Syre" typeface="Estrangelo Edessa"/>
+        <a:font script="Sora" typeface="Nirmala UI"/>
+        <a:font script="Tale" typeface="Microsoft Tai Le"/>
+        <a:font script="Talu" typeface="Microsoft New Tai Lue"/>
+        <a:font script="Tfng" typeface="Ebrima"/>
+      </a:minorFont>
+    </a:fontScheme>
+    <a:fmtScheme name="Office">
+      <a:fillStyleLst>
+        <a:solidFill>
+          <a:schemeClr val="phClr"/>
+        </a:solidFill>
+        <a:gradFill rotWithShape="1">
+          <a:gsLst>
+            <a:gs pos="0">
+              <a:schemeClr val="phClr">
+                <a:lumMod val="110000"/>
+                <a:satMod val="105000"/>
+                <a:tint val="67000"/>
+              </a:schemeClr>
+            </a:gs>
+            <a:gs pos="50000">
+              <a:schemeClr val="phClr">
+                <a:lumMod val="105000"/>
+                <a:satMod val="103000"/>
+                <a:tint val="73000"/>
+              </a:schemeClr>
+            </a:gs>
+            <a:gs pos="100000">
+              <a:schemeClr val="phClr">
+                <a:lumMod val="105000"/>
+                <a:satMod val="109000"/>
+                <a:tint val="81000"/>
+              </a:schemeClr>
+            </a:gs>
+          </a:gsLst>
+          <a:lin ang="5400000" scaled="0"/>
+        </a:gradFill>
+        <a:gradFill rotWithShape="1">
+          <a:gsLst>
+            <a:gs pos="0">
+              <a:schemeClr val="phClr">
+                <a:satMod val="103000"/>
+                <a:lumMod val="102000"/>
+                <a:tint val="94000"/>
+              </a:schemeClr>
+            </a:gs>
+            <a:gs pos="50000">
+              <a:schemeClr val="phClr">
+                <a:satMod val="110000"/>
+                <a:lumMod val="100000"/>
+                <a:shade val="100000"/>
+              </a:schemeClr>
+            </a:gs>
+            <a:gs pos="100000">
+              <a:schemeClr val="phClr">
+                <a:lumMod val="99000"/>
+                <a:satMod val="120000"/>
+                <a:shade val="78000"/>
+              </a:schemeClr>
+            </a:gs>
+          </a:gsLst>
+          <a:lin ang="5400000" scaled="0"/>
+        </a:gradFill>
+      </a:fillStyleLst>
+      <a:lnStyleLst>
+        <a:ln w="6350" cap="flat" cmpd="sng" algn="ctr">
+          <a:solidFill>
+            <a:schemeClr val="phClr"/>
+          </a:solidFill>
+          <a:prstDash val="solid"/>
+          <a:miter lim="800000"/>
+        </a:ln>
+        <a:ln w="12700" cap="flat" cmpd="sng" algn="ctr">
+          <a:solidFill>
+            <a:schemeClr val="phClr"/>
+          </a:solidFill>
+          <a:prstDash val="solid"/>
+          <a:miter lim="800000"/>
+        </a:ln>
+        <a:ln w="19050" cap="flat" cmpd="sng" algn="ctr">
+          <a:solidFill>
+            <a:schemeClr val="phClr"/>
+          </a:solidFill>
+          <a:prstDash val="solid"/>
+          <a:miter lim="800000"/>
+        </a:ln>
+      </a:lnStyleLst>
+      <a:effectStyleLst>
+        <a:effectStyle>
+          <a:effectLst/>
+        </a:effectStyle>
+        <a:effectStyle>
+          <a:effectLst/>
+        </a:effectStyle>
+        <a:effectStyle>
+          <a:effectLst>
+            <a:outerShdw blurRad="57150" dist="19050" dir="5400000" algn="ctr" rotWithShape="0">
+              <a:srgbClr val="000000">
+                <a:alpha val="63000"/>
+              </a:srgbClr>
+            </a:outerShdw>
+          </a:effectLst>
+        </a:effectStyle>
+      </a:effectStyleLst>
+      <a:bgFillStyleLst>
+        <a:solidFill>
+          <a:schemeClr val="phClr"/>
+        </a:solidFill>
+        <a:solidFill>
+          <a:schemeClr val="phClr">
+            <a:tint val="95000"/>
+            <a:satMod val="170000"/>
+          </a:schemeClr>
+        </a:solidFill>
+        <a:gradFill rotWithShape="1">
+          <a:gsLst>
+            <a:gs pos="0">
+              <a:schemeClr val="phClr">
+                <a:tint val="93000"/>
+                <a:satMod val="150000"/>
+                <a:shade val="98000"/>
+                <a:lumMod val="102000"/>
+              </a:schemeClr>
+            </a:gs>
+            <a:gs pos="50000">
+              <a:schemeClr val="phClr">
+                <a:tint val="98000"/>
+                <a:satMod val="130000"/>
+                <a:shade val="90000"/>
+                <a:lumMod val="103000"/>
+              </a:schemeClr>
+            </a:gs>
+            <a:gs pos="100000">
+              <a:schemeClr val="phClr">
+                <a:shade val="63000"/>
+                <a:satMod val="120000"/>
+              </a:schemeClr>
+            </a:gs>
+          </a:gsLst>
+          <a:lin ang="5400000" scaled="0"/>
+        </a:gradFill>
+      </a:bgFillStyleLst>
+    </a:fmtScheme>
+  </a:themeElements>
+  <a:objectDefaults/>
+  <a:extraClrSchemeLst/>
+  <a:extLst>
+    <a:ext uri="{05A4C25C-085E-4340-85A3-A5531E510DB2}">
+      <thm15:themeFamily xmlns:thm15="http://schemas.microsoft.com/office/thememl/2012/main" name="Office Theme" id="{62F939B6-93AF-4DB8-9C6B-D6C7DFDC589F}" vid="{4A3C46E8-61CC-4603-A589-7422A47A8E4A}"/>
+    </a:ext>
+  </a:extLst>
+</a:theme>
 </file>